--- a/Introdução.pptx
+++ b/Introdução.pptx
@@ -6,11 +6,15 @@
   </p:sldMasterIdLst>
   <p:sldIdLst>
     <p:sldId id="256" r:id="rId2"/>
-    <p:sldId id="257" r:id="rId3"/>
-    <p:sldId id="258" r:id="rId4"/>
-    <p:sldId id="259" r:id="rId5"/>
-    <p:sldId id="260" r:id="rId6"/>
-    <p:sldId id="261" r:id="rId7"/>
+    <p:sldId id="264" r:id="rId3"/>
+    <p:sldId id="261" r:id="rId4"/>
+    <p:sldId id="265" r:id="rId5"/>
+    <p:sldId id="266" r:id="rId6"/>
+    <p:sldId id="263" r:id="rId7"/>
+    <p:sldId id="257" r:id="rId8"/>
+    <p:sldId id="258" r:id="rId9"/>
+    <p:sldId id="259" r:id="rId10"/>
+    <p:sldId id="260" r:id="rId11"/>
   </p:sldIdLst>
   <p:sldSz cx="12192000" cy="6858000"/>
   <p:notesSz cx="6858000" cy="9144000"/>
@@ -264,7 +268,7 @@
           <a:p>
             <a:fld id="{51ABDF37-DC4D-4503-8B95-8F4F9F7FD24B}" type="datetimeFigureOut">
               <a:rPr lang="pt-BR" smtClean="0"/>
-              <a:t>03/04/2022</a:t>
+              <a:t>07/07/2022</a:t>
             </a:fld>
             <a:endParaRPr lang="pt-BR"/>
           </a:p>
@@ -462,7 +466,7 @@
           <a:p>
             <a:fld id="{51ABDF37-DC4D-4503-8B95-8F4F9F7FD24B}" type="datetimeFigureOut">
               <a:rPr lang="pt-BR" smtClean="0"/>
-              <a:t>03/04/2022</a:t>
+              <a:t>07/07/2022</a:t>
             </a:fld>
             <a:endParaRPr lang="pt-BR"/>
           </a:p>
@@ -670,7 +674,7 @@
           <a:p>
             <a:fld id="{51ABDF37-DC4D-4503-8B95-8F4F9F7FD24B}" type="datetimeFigureOut">
               <a:rPr lang="pt-BR" smtClean="0"/>
-              <a:t>03/04/2022</a:t>
+              <a:t>07/07/2022</a:t>
             </a:fld>
             <a:endParaRPr lang="pt-BR"/>
           </a:p>
@@ -868,7 +872,7 @@
           <a:p>
             <a:fld id="{51ABDF37-DC4D-4503-8B95-8F4F9F7FD24B}" type="datetimeFigureOut">
               <a:rPr lang="pt-BR" smtClean="0"/>
-              <a:t>03/04/2022</a:t>
+              <a:t>07/07/2022</a:t>
             </a:fld>
             <a:endParaRPr lang="pt-BR"/>
           </a:p>
@@ -1143,7 +1147,7 @@
           <a:p>
             <a:fld id="{51ABDF37-DC4D-4503-8B95-8F4F9F7FD24B}" type="datetimeFigureOut">
               <a:rPr lang="pt-BR" smtClean="0"/>
-              <a:t>03/04/2022</a:t>
+              <a:t>07/07/2022</a:t>
             </a:fld>
             <a:endParaRPr lang="pt-BR"/>
           </a:p>
@@ -1408,7 +1412,7 @@
           <a:p>
             <a:fld id="{51ABDF37-DC4D-4503-8B95-8F4F9F7FD24B}" type="datetimeFigureOut">
               <a:rPr lang="pt-BR" smtClean="0"/>
-              <a:t>03/04/2022</a:t>
+              <a:t>07/07/2022</a:t>
             </a:fld>
             <a:endParaRPr lang="pt-BR"/>
           </a:p>
@@ -1820,7 +1824,7 @@
           <a:p>
             <a:fld id="{51ABDF37-DC4D-4503-8B95-8F4F9F7FD24B}" type="datetimeFigureOut">
               <a:rPr lang="pt-BR" smtClean="0"/>
-              <a:t>03/04/2022</a:t>
+              <a:t>07/07/2022</a:t>
             </a:fld>
             <a:endParaRPr lang="pt-BR"/>
           </a:p>
@@ -1961,7 +1965,7 @@
           <a:p>
             <a:fld id="{51ABDF37-DC4D-4503-8B95-8F4F9F7FD24B}" type="datetimeFigureOut">
               <a:rPr lang="pt-BR" smtClean="0"/>
-              <a:t>03/04/2022</a:t>
+              <a:t>07/07/2022</a:t>
             </a:fld>
             <a:endParaRPr lang="pt-BR"/>
           </a:p>
@@ -2074,7 +2078,7 @@
           <a:p>
             <a:fld id="{51ABDF37-DC4D-4503-8B95-8F4F9F7FD24B}" type="datetimeFigureOut">
               <a:rPr lang="pt-BR" smtClean="0"/>
-              <a:t>03/04/2022</a:t>
+              <a:t>07/07/2022</a:t>
             </a:fld>
             <a:endParaRPr lang="pt-BR"/>
           </a:p>
@@ -2385,7 +2389,7 @@
           <a:p>
             <a:fld id="{51ABDF37-DC4D-4503-8B95-8F4F9F7FD24B}" type="datetimeFigureOut">
               <a:rPr lang="pt-BR" smtClean="0"/>
-              <a:t>03/04/2022</a:t>
+              <a:t>07/07/2022</a:t>
             </a:fld>
             <a:endParaRPr lang="pt-BR"/>
           </a:p>
@@ -2673,7 +2677,7 @@
           <a:p>
             <a:fld id="{51ABDF37-DC4D-4503-8B95-8F4F9F7FD24B}" type="datetimeFigureOut">
               <a:rPr lang="pt-BR" smtClean="0"/>
-              <a:t>03/04/2022</a:t>
+              <a:t>07/07/2022</a:t>
             </a:fld>
             <a:endParaRPr lang="pt-BR"/>
           </a:p>
@@ -2914,7 +2918,7 @@
           <a:p>
             <a:fld id="{51ABDF37-DC4D-4503-8B95-8F4F9F7FD24B}" type="datetimeFigureOut">
               <a:rPr lang="pt-BR" smtClean="0"/>
-              <a:t>03/04/2022</a:t>
+              <a:t>07/07/2022</a:t>
             </a:fld>
             <a:endParaRPr lang="pt-BR"/>
           </a:p>
@@ -3420,7 +3424,459 @@
 </p:sld>
 </file>
 
+<file path=ppt/slides/slide10.xml><?xml version="1.0" encoding="utf-8"?>
+<p:sld xmlns:a="http://schemas.openxmlformats.org/drawingml/2006/main" xmlns:r="http://schemas.openxmlformats.org/officeDocument/2006/relationships" xmlns:p="http://schemas.openxmlformats.org/presentationml/2006/main">
+  <p:cSld>
+    <p:bg>
+      <p:bgPr>
+        <a:solidFill>
+          <a:schemeClr val="tx1"/>
+        </a:solidFill>
+        <a:effectLst/>
+      </p:bgPr>
+    </p:bg>
+    <p:spTree>
+      <p:nvGrpSpPr>
+        <p:cNvPr id="1" name=""/>
+        <p:cNvGrpSpPr/>
+        <p:nvPr/>
+      </p:nvGrpSpPr>
+      <p:grpSpPr>
+        <a:xfrm>
+          <a:off x="0" y="0"/>
+          <a:ext cx="0" cy="0"/>
+          <a:chOff x="0" y="0"/>
+          <a:chExt cx="0" cy="0"/>
+        </a:xfrm>
+      </p:grpSpPr>
+      <p:pic>
+        <p:nvPicPr>
+          <p:cNvPr id="6" name="Imagem 5">
+            <a:extLst>
+              <a:ext uri="{FF2B5EF4-FFF2-40B4-BE49-F238E27FC236}">
+                <a16:creationId xmlns:a16="http://schemas.microsoft.com/office/drawing/2014/main" id="{3ABBA186-C0E4-40F3-8481-7D3F2DC10599}"/>
+              </a:ext>
+            </a:extLst>
+          </p:cNvPr>
+          <p:cNvPicPr>
+            <a:picLocks noChangeAspect="1"/>
+          </p:cNvPicPr>
+          <p:nvPr/>
+        </p:nvPicPr>
+        <p:blipFill>
+          <a:blip r:embed="rId2"/>
+          <a:stretch>
+            <a:fillRect/>
+          </a:stretch>
+        </p:blipFill>
+        <p:spPr>
+          <a:xfrm>
+            <a:off x="510286" y="300428"/>
+            <a:ext cx="11171428" cy="6257143"/>
+          </a:xfrm>
+          <a:prstGeom prst="rect">
+            <a:avLst/>
+          </a:prstGeom>
+        </p:spPr>
+      </p:pic>
+    </p:spTree>
+    <p:extLst>
+      <p:ext uri="{BB962C8B-B14F-4D97-AF65-F5344CB8AC3E}">
+        <p14:creationId xmlns:p14="http://schemas.microsoft.com/office/powerpoint/2010/main" val="1254078414"/>
+      </p:ext>
+    </p:extLst>
+  </p:cSld>
+  <p:clrMapOvr>
+    <a:masterClrMapping/>
+  </p:clrMapOvr>
+</p:sld>
+</file>
+
 <file path=ppt/slides/slide2.xml><?xml version="1.0" encoding="utf-8"?>
+<p:sld xmlns:a="http://schemas.openxmlformats.org/drawingml/2006/main" xmlns:r="http://schemas.openxmlformats.org/officeDocument/2006/relationships" xmlns:p="http://schemas.openxmlformats.org/presentationml/2006/main">
+  <p:cSld>
+    <p:bg>
+      <p:bgPr>
+        <a:solidFill>
+          <a:schemeClr val="tx1"/>
+        </a:solidFill>
+        <a:effectLst/>
+      </p:bgPr>
+    </p:bg>
+    <p:spTree>
+      <p:nvGrpSpPr>
+        <p:cNvPr id="1" name=""/>
+        <p:cNvGrpSpPr/>
+        <p:nvPr/>
+      </p:nvGrpSpPr>
+      <p:grpSpPr>
+        <a:xfrm>
+          <a:off x="0" y="0"/>
+          <a:ext cx="0" cy="0"/>
+          <a:chOff x="0" y="0"/>
+          <a:chExt cx="0" cy="0"/>
+        </a:xfrm>
+      </p:grpSpPr>
+      <p:pic>
+        <p:nvPicPr>
+          <p:cNvPr id="3" name="Imagem 2">
+            <a:extLst>
+              <a:ext uri="{FF2B5EF4-FFF2-40B4-BE49-F238E27FC236}">
+                <a16:creationId xmlns:a16="http://schemas.microsoft.com/office/drawing/2014/main" id="{79A6ED22-DF82-754B-E2A8-207A06EC28DF}"/>
+              </a:ext>
+            </a:extLst>
+          </p:cNvPr>
+          <p:cNvPicPr>
+            <a:picLocks noChangeAspect="1"/>
+          </p:cNvPicPr>
+          <p:nvPr/>
+        </p:nvPicPr>
+        <p:blipFill>
+          <a:blip r:embed="rId2"/>
+          <a:stretch>
+            <a:fillRect/>
+          </a:stretch>
+        </p:blipFill>
+        <p:spPr>
+          <a:xfrm>
+            <a:off x="534727" y="2039667"/>
+            <a:ext cx="3414056" cy="792549"/>
+          </a:xfrm>
+          <a:prstGeom prst="rect">
+            <a:avLst/>
+          </a:prstGeom>
+        </p:spPr>
+      </p:pic>
+      <p:sp>
+        <p:nvSpPr>
+          <p:cNvPr id="4" name="CaixaDeTexto 3">
+            <a:extLst>
+              <a:ext uri="{FF2B5EF4-FFF2-40B4-BE49-F238E27FC236}">
+                <a16:creationId xmlns:a16="http://schemas.microsoft.com/office/drawing/2014/main" id="{E1BA930B-20CB-77EC-6939-178BB943EA50}"/>
+              </a:ext>
+            </a:extLst>
+          </p:cNvPr>
+          <p:cNvSpPr txBox="1"/>
+          <p:nvPr/>
+        </p:nvSpPr>
+        <p:spPr>
+          <a:xfrm>
+            <a:off x="481828" y="1670335"/>
+            <a:ext cx="2711704" cy="369332"/>
+          </a:xfrm>
+          <a:prstGeom prst="rect">
+            <a:avLst/>
+          </a:prstGeom>
+          <a:noFill/>
+        </p:spPr>
+        <p:txBody>
+          <a:bodyPr wrap="none" rtlCol="0">
+            <a:spAutoFit/>
+          </a:bodyPr>
+          <a:lstStyle/>
+          <a:p>
+            <a:r>
+              <a:rPr lang="pt-BR" dirty="0">
+                <a:solidFill>
+                  <a:schemeClr val="bg1"/>
+                </a:solidFill>
+              </a:rPr>
+              <a:t>Echo é para printar na tela </a:t>
+            </a:r>
+          </a:p>
+        </p:txBody>
+      </p:sp>
+      <p:sp>
+        <p:nvSpPr>
+          <p:cNvPr id="5" name="CaixaDeTexto 4">
+            <a:extLst>
+              <a:ext uri="{FF2B5EF4-FFF2-40B4-BE49-F238E27FC236}">
+                <a16:creationId xmlns:a16="http://schemas.microsoft.com/office/drawing/2014/main" id="{4EAF8F60-90BA-10E3-CAF5-4EE9980F24C4}"/>
+              </a:ext>
+            </a:extLst>
+          </p:cNvPr>
+          <p:cNvSpPr txBox="1"/>
+          <p:nvPr/>
+        </p:nvSpPr>
+        <p:spPr>
+          <a:xfrm>
+            <a:off x="78658" y="975915"/>
+            <a:ext cx="5359993" cy="369332"/>
+          </a:xfrm>
+          <a:prstGeom prst="rect">
+            <a:avLst/>
+          </a:prstGeom>
+          <a:noFill/>
+        </p:spPr>
+        <p:txBody>
+          <a:bodyPr wrap="none" rtlCol="0">
+            <a:spAutoFit/>
+          </a:bodyPr>
+          <a:lstStyle/>
+          <a:p>
+            <a:r>
+              <a:rPr lang="pt-BR" dirty="0">
+                <a:solidFill>
+                  <a:schemeClr val="bg1"/>
+                </a:solidFill>
+              </a:rPr>
+              <a:t>O código em PHP não é mostrado no documento HTML</a:t>
+            </a:r>
+          </a:p>
+        </p:txBody>
+      </p:sp>
+      <p:pic>
+        <p:nvPicPr>
+          <p:cNvPr id="1026" name="Picture 2" descr="Resultado de imagem para php">
+            <a:extLst>
+              <a:ext uri="{FF2B5EF4-FFF2-40B4-BE49-F238E27FC236}">
+                <a16:creationId xmlns:a16="http://schemas.microsoft.com/office/drawing/2014/main" id="{2B837771-4DA5-A647-A1E1-D1A4B9C33045}"/>
+              </a:ext>
+            </a:extLst>
+          </p:cNvPr>
+          <p:cNvPicPr>
+            <a:picLocks noChangeAspect="1" noChangeArrowheads="1"/>
+          </p:cNvPicPr>
+          <p:nvPr/>
+        </p:nvPicPr>
+        <p:blipFill>
+          <a:blip r:embed="rId3">
+            <a:extLst>
+              <a:ext uri="{28A0092B-C50C-407E-A947-70E740481C1C}">
+                <a14:useLocalDpi xmlns:a14="http://schemas.microsoft.com/office/drawing/2010/main" val="0"/>
+              </a:ext>
+            </a:extLst>
+          </a:blip>
+          <a:srcRect/>
+          <a:stretch>
+            <a:fillRect/>
+          </a:stretch>
+        </p:blipFill>
+        <p:spPr bwMode="auto">
+          <a:xfrm>
+            <a:off x="2202471" y="179926"/>
+            <a:ext cx="991061" cy="618697"/>
+          </a:xfrm>
+          <a:prstGeom prst="rect">
+            <a:avLst/>
+          </a:prstGeom>
+          <a:noFill/>
+          <a:extLst>
+            <a:ext uri="{909E8E84-426E-40DD-AFC4-6F175D3DCCD1}">
+              <a14:hiddenFill xmlns:a14="http://schemas.microsoft.com/office/drawing/2010/main">
+                <a:solidFill>
+                  <a:srgbClr val="FFFFFF"/>
+                </a:solidFill>
+              </a14:hiddenFill>
+            </a:ext>
+          </a:extLst>
+        </p:spPr>
+      </p:pic>
+      <p:sp>
+        <p:nvSpPr>
+          <p:cNvPr id="6" name="CaixaDeTexto 5">
+            <a:extLst>
+              <a:ext uri="{FF2B5EF4-FFF2-40B4-BE49-F238E27FC236}">
+                <a16:creationId xmlns:a16="http://schemas.microsoft.com/office/drawing/2014/main" id="{E27DC6D8-78D3-2D92-93C5-2CEACD16103B}"/>
+              </a:ext>
+            </a:extLst>
+          </p:cNvPr>
+          <p:cNvSpPr txBox="1"/>
+          <p:nvPr/>
+        </p:nvSpPr>
+        <p:spPr>
+          <a:xfrm>
+            <a:off x="668594" y="176286"/>
+            <a:ext cx="1456874" cy="584775"/>
+          </a:xfrm>
+          <a:prstGeom prst="rect">
+            <a:avLst/>
+          </a:prstGeom>
+          <a:noFill/>
+        </p:spPr>
+        <p:txBody>
+          <a:bodyPr wrap="none" rtlCol="0">
+            <a:spAutoFit/>
+          </a:bodyPr>
+          <a:lstStyle/>
+          <a:p>
+            <a:r>
+              <a:rPr lang="pt-BR" sz="3200" dirty="0">
+                <a:solidFill>
+                  <a:schemeClr val="bg1"/>
+                </a:solidFill>
+              </a:rPr>
+              <a:t>Sobre o</a:t>
+            </a:r>
+          </a:p>
+        </p:txBody>
+      </p:sp>
+    </p:spTree>
+    <p:extLst>
+      <p:ext uri="{BB962C8B-B14F-4D97-AF65-F5344CB8AC3E}">
+        <p14:creationId xmlns:p14="http://schemas.microsoft.com/office/powerpoint/2010/main" val="3909371104"/>
+      </p:ext>
+    </p:extLst>
+  </p:cSld>
+  <p:clrMapOvr>
+    <a:masterClrMapping/>
+  </p:clrMapOvr>
+</p:sld>
+</file>
+
+<file path=ppt/slides/slide3.xml><?xml version="1.0" encoding="utf-8"?>
+<p:sld xmlns:a="http://schemas.openxmlformats.org/drawingml/2006/main" xmlns:r="http://schemas.openxmlformats.org/officeDocument/2006/relationships" xmlns:p="http://schemas.openxmlformats.org/presentationml/2006/main">
+  <p:cSld>
+    <p:bg>
+      <p:bgPr>
+        <a:solidFill>
+          <a:schemeClr val="tx1"/>
+        </a:solidFill>
+        <a:effectLst/>
+      </p:bgPr>
+    </p:bg>
+    <p:spTree>
+      <p:nvGrpSpPr>
+        <p:cNvPr id="1" name=""/>
+        <p:cNvGrpSpPr/>
+        <p:nvPr/>
+      </p:nvGrpSpPr>
+      <p:grpSpPr>
+        <a:xfrm>
+          <a:off x="0" y="0"/>
+          <a:ext cx="0" cy="0"/>
+          <a:chOff x="0" y="0"/>
+          <a:chExt cx="0" cy="0"/>
+        </a:xfrm>
+      </p:grpSpPr>
+    </p:spTree>
+    <p:extLst>
+      <p:ext uri="{BB962C8B-B14F-4D97-AF65-F5344CB8AC3E}">
+        <p14:creationId xmlns:p14="http://schemas.microsoft.com/office/powerpoint/2010/main" val="2516814750"/>
+      </p:ext>
+    </p:extLst>
+  </p:cSld>
+  <p:clrMapOvr>
+    <a:masterClrMapping/>
+  </p:clrMapOvr>
+</p:sld>
+</file>
+
+<file path=ppt/slides/slide4.xml><?xml version="1.0" encoding="utf-8"?>
+<p:sld xmlns:a="http://schemas.openxmlformats.org/drawingml/2006/main" xmlns:r="http://schemas.openxmlformats.org/officeDocument/2006/relationships" xmlns:p="http://schemas.openxmlformats.org/presentationml/2006/main">
+  <p:cSld>
+    <p:bg>
+      <p:bgPr>
+        <a:solidFill>
+          <a:schemeClr val="tx1"/>
+        </a:solidFill>
+        <a:effectLst/>
+      </p:bgPr>
+    </p:bg>
+    <p:spTree>
+      <p:nvGrpSpPr>
+        <p:cNvPr id="1" name=""/>
+        <p:cNvGrpSpPr/>
+        <p:nvPr/>
+      </p:nvGrpSpPr>
+      <p:grpSpPr>
+        <a:xfrm>
+          <a:off x="0" y="0"/>
+          <a:ext cx="0" cy="0"/>
+          <a:chOff x="0" y="0"/>
+          <a:chExt cx="0" cy="0"/>
+        </a:xfrm>
+      </p:grpSpPr>
+    </p:spTree>
+    <p:extLst>
+      <p:ext uri="{BB962C8B-B14F-4D97-AF65-F5344CB8AC3E}">
+        <p14:creationId xmlns:p14="http://schemas.microsoft.com/office/powerpoint/2010/main" val="2883450363"/>
+      </p:ext>
+    </p:extLst>
+  </p:cSld>
+  <p:clrMapOvr>
+    <a:masterClrMapping/>
+  </p:clrMapOvr>
+</p:sld>
+</file>
+
+<file path=ppt/slides/slide5.xml><?xml version="1.0" encoding="utf-8"?>
+<p:sld xmlns:a="http://schemas.openxmlformats.org/drawingml/2006/main" xmlns:r="http://schemas.openxmlformats.org/officeDocument/2006/relationships" xmlns:p="http://schemas.openxmlformats.org/presentationml/2006/main">
+  <p:cSld>
+    <p:bg>
+      <p:bgPr>
+        <a:solidFill>
+          <a:schemeClr val="tx1"/>
+        </a:solidFill>
+        <a:effectLst/>
+      </p:bgPr>
+    </p:bg>
+    <p:spTree>
+      <p:nvGrpSpPr>
+        <p:cNvPr id="1" name=""/>
+        <p:cNvGrpSpPr/>
+        <p:nvPr/>
+      </p:nvGrpSpPr>
+      <p:grpSpPr>
+        <a:xfrm>
+          <a:off x="0" y="0"/>
+          <a:ext cx="0" cy="0"/>
+          <a:chOff x="0" y="0"/>
+          <a:chExt cx="0" cy="0"/>
+        </a:xfrm>
+      </p:grpSpPr>
+    </p:spTree>
+    <p:extLst>
+      <p:ext uri="{BB962C8B-B14F-4D97-AF65-F5344CB8AC3E}">
+        <p14:creationId xmlns:p14="http://schemas.microsoft.com/office/powerpoint/2010/main" val="1974486992"/>
+      </p:ext>
+    </p:extLst>
+  </p:cSld>
+  <p:clrMapOvr>
+    <a:masterClrMapping/>
+  </p:clrMapOvr>
+</p:sld>
+</file>
+
+<file path=ppt/slides/slide6.xml><?xml version="1.0" encoding="utf-8"?>
+<p:sld xmlns:a="http://schemas.openxmlformats.org/drawingml/2006/main" xmlns:r="http://schemas.openxmlformats.org/officeDocument/2006/relationships" xmlns:p="http://schemas.openxmlformats.org/presentationml/2006/main">
+  <p:cSld>
+    <p:bg>
+      <p:bgPr>
+        <a:solidFill>
+          <a:schemeClr val="tx1"/>
+        </a:solidFill>
+        <a:effectLst/>
+      </p:bgPr>
+    </p:bg>
+    <p:spTree>
+      <p:nvGrpSpPr>
+        <p:cNvPr id="1" name=""/>
+        <p:cNvGrpSpPr/>
+        <p:nvPr/>
+      </p:nvGrpSpPr>
+      <p:grpSpPr>
+        <a:xfrm>
+          <a:off x="0" y="0"/>
+          <a:ext cx="0" cy="0"/>
+          <a:chOff x="0" y="0"/>
+          <a:chExt cx="0" cy="0"/>
+        </a:xfrm>
+      </p:grpSpPr>
+    </p:spTree>
+    <p:extLst>
+      <p:ext uri="{BB962C8B-B14F-4D97-AF65-F5344CB8AC3E}">
+        <p14:creationId xmlns:p14="http://schemas.microsoft.com/office/powerpoint/2010/main" val="1138489485"/>
+      </p:ext>
+    </p:extLst>
+  </p:cSld>
+  <p:clrMapOvr>
+    <a:masterClrMapping/>
+  </p:clrMapOvr>
+</p:sld>
+</file>
+
+<file path=ppt/slides/slide7.xml><?xml version="1.0" encoding="utf-8"?>
 <p:sld xmlns:a="http://schemas.openxmlformats.org/drawingml/2006/main" xmlns:r="http://schemas.openxmlformats.org/officeDocument/2006/relationships" xmlns:p="http://schemas.openxmlformats.org/presentationml/2006/main">
   <p:cSld>
     <p:bg>
@@ -3669,7 +4125,7 @@
 </p:sld>
 </file>
 
-<file path=ppt/slides/slide3.xml><?xml version="1.0" encoding="utf-8"?>
+<file path=ppt/slides/slide8.xml><?xml version="1.0" encoding="utf-8"?>
 <p:sld xmlns:a="http://schemas.openxmlformats.org/drawingml/2006/main" xmlns:r="http://schemas.openxmlformats.org/officeDocument/2006/relationships" xmlns:p="http://schemas.openxmlformats.org/presentationml/2006/main">
   <p:cSld>
     <p:bg>
@@ -5603,7 +6059,7 @@
 </p:sld>
 </file>
 
-<file path=ppt/slides/slide4.xml><?xml version="1.0" encoding="utf-8"?>
+<file path=ppt/slides/slide9.xml><?xml version="1.0" encoding="utf-8"?>
 <p:sld xmlns:a="http://schemas.openxmlformats.org/drawingml/2006/main" xmlns:r="http://schemas.openxmlformats.org/officeDocument/2006/relationships" xmlns:p="http://schemas.openxmlformats.org/presentationml/2006/main">
   <p:cSld>
     <p:bg>
@@ -5720,112 +6176,6 @@
     <p:extLst>
       <p:ext uri="{BB962C8B-B14F-4D97-AF65-F5344CB8AC3E}">
         <p14:creationId xmlns:p14="http://schemas.microsoft.com/office/powerpoint/2010/main" val="2558586351"/>
-      </p:ext>
-    </p:extLst>
-  </p:cSld>
-  <p:clrMapOvr>
-    <a:masterClrMapping/>
-  </p:clrMapOvr>
-</p:sld>
-</file>
-
-<file path=ppt/slides/slide5.xml><?xml version="1.0" encoding="utf-8"?>
-<p:sld xmlns:a="http://schemas.openxmlformats.org/drawingml/2006/main" xmlns:r="http://schemas.openxmlformats.org/officeDocument/2006/relationships" xmlns:p="http://schemas.openxmlformats.org/presentationml/2006/main">
-  <p:cSld>
-    <p:bg>
-      <p:bgPr>
-        <a:solidFill>
-          <a:schemeClr val="tx1"/>
-        </a:solidFill>
-        <a:effectLst/>
-      </p:bgPr>
-    </p:bg>
-    <p:spTree>
-      <p:nvGrpSpPr>
-        <p:cNvPr id="1" name=""/>
-        <p:cNvGrpSpPr/>
-        <p:nvPr/>
-      </p:nvGrpSpPr>
-      <p:grpSpPr>
-        <a:xfrm>
-          <a:off x="0" y="0"/>
-          <a:ext cx="0" cy="0"/>
-          <a:chOff x="0" y="0"/>
-          <a:chExt cx="0" cy="0"/>
-        </a:xfrm>
-      </p:grpSpPr>
-      <p:pic>
-        <p:nvPicPr>
-          <p:cNvPr id="6" name="Imagem 5">
-            <a:extLst>
-              <a:ext uri="{FF2B5EF4-FFF2-40B4-BE49-F238E27FC236}">
-                <a16:creationId xmlns:a16="http://schemas.microsoft.com/office/drawing/2014/main" id="{3ABBA186-C0E4-40F3-8481-7D3F2DC10599}"/>
-              </a:ext>
-            </a:extLst>
-          </p:cNvPr>
-          <p:cNvPicPr>
-            <a:picLocks noChangeAspect="1"/>
-          </p:cNvPicPr>
-          <p:nvPr/>
-        </p:nvPicPr>
-        <p:blipFill>
-          <a:blip r:embed="rId2"/>
-          <a:stretch>
-            <a:fillRect/>
-          </a:stretch>
-        </p:blipFill>
-        <p:spPr>
-          <a:xfrm>
-            <a:off x="510286" y="300428"/>
-            <a:ext cx="11171428" cy="6257143"/>
-          </a:xfrm>
-          <a:prstGeom prst="rect">
-            <a:avLst/>
-          </a:prstGeom>
-        </p:spPr>
-      </p:pic>
-    </p:spTree>
-    <p:extLst>
-      <p:ext uri="{BB962C8B-B14F-4D97-AF65-F5344CB8AC3E}">
-        <p14:creationId xmlns:p14="http://schemas.microsoft.com/office/powerpoint/2010/main" val="1254078414"/>
-      </p:ext>
-    </p:extLst>
-  </p:cSld>
-  <p:clrMapOvr>
-    <a:masterClrMapping/>
-  </p:clrMapOvr>
-</p:sld>
-</file>
-
-<file path=ppt/slides/slide6.xml><?xml version="1.0" encoding="utf-8"?>
-<p:sld xmlns:a="http://schemas.openxmlformats.org/drawingml/2006/main" xmlns:r="http://schemas.openxmlformats.org/officeDocument/2006/relationships" xmlns:p="http://schemas.openxmlformats.org/presentationml/2006/main">
-  <p:cSld>
-    <p:bg>
-      <p:bgPr>
-        <a:solidFill>
-          <a:schemeClr val="tx1"/>
-        </a:solidFill>
-        <a:effectLst/>
-      </p:bgPr>
-    </p:bg>
-    <p:spTree>
-      <p:nvGrpSpPr>
-        <p:cNvPr id="1" name=""/>
-        <p:cNvGrpSpPr/>
-        <p:nvPr/>
-      </p:nvGrpSpPr>
-      <p:grpSpPr>
-        <a:xfrm>
-          <a:off x="0" y="0"/>
-          <a:ext cx="0" cy="0"/>
-          <a:chOff x="0" y="0"/>
-          <a:chExt cx="0" cy="0"/>
-        </a:xfrm>
-      </p:grpSpPr>
-    </p:spTree>
-    <p:extLst>
-      <p:ext uri="{BB962C8B-B14F-4D97-AF65-F5344CB8AC3E}">
-        <p14:creationId xmlns:p14="http://schemas.microsoft.com/office/powerpoint/2010/main" val="2516814750"/>
       </p:ext>
     </p:extLst>
   </p:cSld>

--- a/Introdução.pptx
+++ b/Introdução.pptx
@@ -5,16 +5,16 @@
     <p:sldMasterId id="2147483648" r:id="rId1"/>
   </p:sldMasterIdLst>
   <p:sldIdLst>
-    <p:sldId id="256" r:id="rId2"/>
-    <p:sldId id="264" r:id="rId3"/>
-    <p:sldId id="261" r:id="rId4"/>
-    <p:sldId id="265" r:id="rId5"/>
-    <p:sldId id="266" r:id="rId6"/>
-    <p:sldId id="263" r:id="rId7"/>
-    <p:sldId id="257" r:id="rId8"/>
-    <p:sldId id="258" r:id="rId9"/>
-    <p:sldId id="259" r:id="rId10"/>
-    <p:sldId id="260" r:id="rId11"/>
+    <p:sldId id="257" r:id="rId2"/>
+    <p:sldId id="260" r:id="rId3"/>
+    <p:sldId id="256" r:id="rId4"/>
+    <p:sldId id="264" r:id="rId5"/>
+    <p:sldId id="258" r:id="rId6"/>
+    <p:sldId id="259" r:id="rId7"/>
+    <p:sldId id="261" r:id="rId8"/>
+    <p:sldId id="265" r:id="rId9"/>
+    <p:sldId id="266" r:id="rId10"/>
+    <p:sldId id="263" r:id="rId11"/>
   </p:sldIdLst>
   <p:sldSz cx="12192000" cy="6858000"/>
   <p:notesSz cx="6858000" cy="9144000"/>
@@ -268,7 +268,7 @@
           <a:p>
             <a:fld id="{51ABDF37-DC4D-4503-8B95-8F4F9F7FD24B}" type="datetimeFigureOut">
               <a:rPr lang="pt-BR" smtClean="0"/>
-              <a:t>07/07/2022</a:t>
+              <a:t>04/08/2022</a:t>
             </a:fld>
             <a:endParaRPr lang="pt-BR"/>
           </a:p>
@@ -466,7 +466,7 @@
           <a:p>
             <a:fld id="{51ABDF37-DC4D-4503-8B95-8F4F9F7FD24B}" type="datetimeFigureOut">
               <a:rPr lang="pt-BR" smtClean="0"/>
-              <a:t>07/07/2022</a:t>
+              <a:t>04/08/2022</a:t>
             </a:fld>
             <a:endParaRPr lang="pt-BR"/>
           </a:p>
@@ -674,7 +674,7 @@
           <a:p>
             <a:fld id="{51ABDF37-DC4D-4503-8B95-8F4F9F7FD24B}" type="datetimeFigureOut">
               <a:rPr lang="pt-BR" smtClean="0"/>
-              <a:t>07/07/2022</a:t>
+              <a:t>04/08/2022</a:t>
             </a:fld>
             <a:endParaRPr lang="pt-BR"/>
           </a:p>
@@ -872,7 +872,7 @@
           <a:p>
             <a:fld id="{51ABDF37-DC4D-4503-8B95-8F4F9F7FD24B}" type="datetimeFigureOut">
               <a:rPr lang="pt-BR" smtClean="0"/>
-              <a:t>07/07/2022</a:t>
+              <a:t>04/08/2022</a:t>
             </a:fld>
             <a:endParaRPr lang="pt-BR"/>
           </a:p>
@@ -1147,7 +1147,7 @@
           <a:p>
             <a:fld id="{51ABDF37-DC4D-4503-8B95-8F4F9F7FD24B}" type="datetimeFigureOut">
               <a:rPr lang="pt-BR" smtClean="0"/>
-              <a:t>07/07/2022</a:t>
+              <a:t>04/08/2022</a:t>
             </a:fld>
             <a:endParaRPr lang="pt-BR"/>
           </a:p>
@@ -1412,7 +1412,7 @@
           <a:p>
             <a:fld id="{51ABDF37-DC4D-4503-8B95-8F4F9F7FD24B}" type="datetimeFigureOut">
               <a:rPr lang="pt-BR" smtClean="0"/>
-              <a:t>07/07/2022</a:t>
+              <a:t>04/08/2022</a:t>
             </a:fld>
             <a:endParaRPr lang="pt-BR"/>
           </a:p>
@@ -1824,7 +1824,7 @@
           <a:p>
             <a:fld id="{51ABDF37-DC4D-4503-8B95-8F4F9F7FD24B}" type="datetimeFigureOut">
               <a:rPr lang="pt-BR" smtClean="0"/>
-              <a:t>07/07/2022</a:t>
+              <a:t>04/08/2022</a:t>
             </a:fld>
             <a:endParaRPr lang="pt-BR"/>
           </a:p>
@@ -1965,7 +1965,7 @@
           <a:p>
             <a:fld id="{51ABDF37-DC4D-4503-8B95-8F4F9F7FD24B}" type="datetimeFigureOut">
               <a:rPr lang="pt-BR" smtClean="0"/>
-              <a:t>07/07/2022</a:t>
+              <a:t>04/08/2022</a:t>
             </a:fld>
             <a:endParaRPr lang="pt-BR"/>
           </a:p>
@@ -2078,7 +2078,7 @@
           <a:p>
             <a:fld id="{51ABDF37-DC4D-4503-8B95-8F4F9F7FD24B}" type="datetimeFigureOut">
               <a:rPr lang="pt-BR" smtClean="0"/>
-              <a:t>07/07/2022</a:t>
+              <a:t>04/08/2022</a:t>
             </a:fld>
             <a:endParaRPr lang="pt-BR"/>
           </a:p>
@@ -2389,7 +2389,7 @@
           <a:p>
             <a:fld id="{51ABDF37-DC4D-4503-8B95-8F4F9F7FD24B}" type="datetimeFigureOut">
               <a:rPr lang="pt-BR" smtClean="0"/>
-              <a:t>07/07/2022</a:t>
+              <a:t>04/08/2022</a:t>
             </a:fld>
             <a:endParaRPr lang="pt-BR"/>
           </a:p>
@@ -2677,7 +2677,7 @@
           <a:p>
             <a:fld id="{51ABDF37-DC4D-4503-8B95-8F4F9F7FD24B}" type="datetimeFigureOut">
               <a:rPr lang="pt-BR" smtClean="0"/>
-              <a:t>07/07/2022</a:t>
+              <a:t>04/08/2022</a:t>
             </a:fld>
             <a:endParaRPr lang="pt-BR"/>
           </a:p>
@@ -2918,7 +2918,7 @@
           <a:p>
             <a:fld id="{51ABDF37-DC4D-4503-8B95-8F4F9F7FD24B}" type="datetimeFigureOut">
               <a:rPr lang="pt-BR" smtClean="0"/>
-              <a:t>07/07/2022</a:t>
+              <a:t>04/08/2022</a:t>
             </a:fld>
             <a:endParaRPr lang="pt-BR"/>
           </a:p>
@@ -3321,112 +3321,6 @@
 <file path=ppt/slides/slide1.xml><?xml version="1.0" encoding="utf-8"?>
 <p:sld xmlns:a="http://schemas.openxmlformats.org/drawingml/2006/main" xmlns:r="http://schemas.openxmlformats.org/officeDocument/2006/relationships" xmlns:p="http://schemas.openxmlformats.org/presentationml/2006/main">
   <p:cSld>
-    <p:spTree>
-      <p:nvGrpSpPr>
-        <p:cNvPr id="1" name=""/>
-        <p:cNvGrpSpPr/>
-        <p:nvPr/>
-      </p:nvGrpSpPr>
-      <p:grpSpPr>
-        <a:xfrm>
-          <a:off x="0" y="0"/>
-          <a:ext cx="0" cy="0"/>
-          <a:chOff x="0" y="0"/>
-          <a:chExt cx="0" cy="0"/>
-        </a:xfrm>
-      </p:grpSpPr>
-      <p:pic>
-        <p:nvPicPr>
-          <p:cNvPr id="5" name="Imagem 4">
-            <a:extLst>
-              <a:ext uri="{FF2B5EF4-FFF2-40B4-BE49-F238E27FC236}">
-                <a16:creationId xmlns:a16="http://schemas.microsoft.com/office/drawing/2014/main" id="{37BE6026-4E3A-4A57-B30A-04961FB09588}"/>
-              </a:ext>
-            </a:extLst>
-          </p:cNvPr>
-          <p:cNvPicPr>
-            <a:picLocks noChangeAspect="1"/>
-          </p:cNvPicPr>
-          <p:nvPr/>
-        </p:nvPicPr>
-        <p:blipFill rotWithShape="1">
-          <a:blip r:embed="rId2"/>
-          <a:srcRect t="11250"/>
-          <a:stretch/>
-        </p:blipFill>
-        <p:spPr>
-          <a:xfrm>
-            <a:off x="970857" y="1004047"/>
-            <a:ext cx="10250286" cy="5136775"/>
-          </a:xfrm>
-          <a:prstGeom prst="rect">
-            <a:avLst/>
-          </a:prstGeom>
-        </p:spPr>
-      </p:pic>
-      <p:sp>
-        <p:nvSpPr>
-          <p:cNvPr id="2" name="CaixaDeTexto 1">
-            <a:extLst>
-              <a:ext uri="{FF2B5EF4-FFF2-40B4-BE49-F238E27FC236}">
-                <a16:creationId xmlns:a16="http://schemas.microsoft.com/office/drawing/2014/main" id="{A6FB060B-4DA3-43A5-BD18-420016E6D9FB}"/>
-              </a:ext>
-            </a:extLst>
-          </p:cNvPr>
-          <p:cNvSpPr txBox="1"/>
-          <p:nvPr/>
-        </p:nvSpPr>
-        <p:spPr>
-          <a:xfrm>
-            <a:off x="1685365" y="215153"/>
-            <a:ext cx="9152964" cy="646331"/>
-          </a:xfrm>
-          <a:prstGeom prst="rect">
-            <a:avLst/>
-          </a:prstGeom>
-          <a:noFill/>
-        </p:spPr>
-        <p:txBody>
-          <a:bodyPr wrap="square" rtlCol="0">
-            <a:spAutoFit/>
-          </a:bodyPr>
-          <a:lstStyle/>
-          <a:p>
-            <a:r>
-              <a:rPr lang="pt-BR" dirty="0"/>
-              <a:t>Resumindo para interpretar o PHP é necessário baixar um interpretador</a:t>
-            </a:r>
-            <a:r>
-              <a:rPr lang="pt-BR"/>
-              <a:t>, neste </a:t>
-            </a:r>
-            <a:r>
-              <a:rPr lang="pt-BR" dirty="0"/>
-              <a:t>caso </a:t>
-            </a:r>
-            <a:r>
-              <a:rPr lang="pt-BR"/>
-              <a:t>vou utilizar o XAMPP &gt;&gt; </a:t>
-            </a:r>
-          </a:p>
-        </p:txBody>
-      </p:sp>
-    </p:spTree>
-    <p:extLst>
-      <p:ext uri="{BB962C8B-B14F-4D97-AF65-F5344CB8AC3E}">
-        <p14:creationId xmlns:p14="http://schemas.microsoft.com/office/powerpoint/2010/main" val="283992454"/>
-      </p:ext>
-    </p:extLst>
-  </p:cSld>
-  <p:clrMapOvr>
-    <a:masterClrMapping/>
-  </p:clrMapOvr>
-</p:sld>
-</file>
-
-<file path=ppt/slides/slide10.xml><?xml version="1.0" encoding="utf-8"?>
-<p:sld xmlns:a="http://schemas.openxmlformats.org/drawingml/2006/main" xmlns:r="http://schemas.openxmlformats.org/officeDocument/2006/relationships" xmlns:p="http://schemas.openxmlformats.org/presentationml/2006/main">
-  <p:cSld>
     <p:bg>
       <p:bgPr>
         <a:solidFill>
@@ -3451,10 +3345,10 @@
       </p:grpSpPr>
       <p:pic>
         <p:nvPicPr>
-          <p:cNvPr id="6" name="Imagem 5">
-            <a:extLst>
-              <a:ext uri="{FF2B5EF4-FFF2-40B4-BE49-F238E27FC236}">
-                <a16:creationId xmlns:a16="http://schemas.microsoft.com/office/drawing/2014/main" id="{3ABBA186-C0E4-40F3-8481-7D3F2DC10599}"/>
+          <p:cNvPr id="12" name="Imagem 11">
+            <a:extLst>
+              <a:ext uri="{FF2B5EF4-FFF2-40B4-BE49-F238E27FC236}">
+                <a16:creationId xmlns:a16="http://schemas.microsoft.com/office/drawing/2014/main" id="{12388878-247E-464A-87EA-39CD45F9901A}"/>
               </a:ext>
             </a:extLst>
           </p:cNvPr>
@@ -3471,18 +3365,215 @@
         </p:blipFill>
         <p:spPr>
           <a:xfrm>
-            <a:off x="510286" y="300428"/>
-            <a:ext cx="11171428" cy="6257143"/>
+            <a:off x="213470" y="1119938"/>
+            <a:ext cx="2877607" cy="1755340"/>
           </a:xfrm>
           <a:prstGeom prst="rect">
             <a:avLst/>
           </a:prstGeom>
         </p:spPr>
       </p:pic>
+      <p:pic>
+        <p:nvPicPr>
+          <p:cNvPr id="14" name="Imagem 13">
+            <a:extLst>
+              <a:ext uri="{FF2B5EF4-FFF2-40B4-BE49-F238E27FC236}">
+                <a16:creationId xmlns:a16="http://schemas.microsoft.com/office/drawing/2014/main" id="{EDAEECD9-8FD2-4C70-83CD-80BED38D32EE}"/>
+              </a:ext>
+            </a:extLst>
+          </p:cNvPr>
+          <p:cNvPicPr>
+            <a:picLocks noChangeAspect="1"/>
+          </p:cNvPicPr>
+          <p:nvPr/>
+        </p:nvPicPr>
+        <p:blipFill>
+          <a:blip r:embed="rId3"/>
+          <a:stretch>
+            <a:fillRect/>
+          </a:stretch>
+        </p:blipFill>
+        <p:spPr>
+          <a:xfrm>
+            <a:off x="4317131" y="1258944"/>
+            <a:ext cx="5071932" cy="1477328"/>
+          </a:xfrm>
+          <a:prstGeom prst="rect">
+            <a:avLst/>
+          </a:prstGeom>
+        </p:spPr>
+      </p:pic>
+      <p:cxnSp>
+        <p:nvCxnSpPr>
+          <p:cNvPr id="16" name="Conector de Seta Reta 15">
+            <a:extLst>
+              <a:ext uri="{FF2B5EF4-FFF2-40B4-BE49-F238E27FC236}">
+                <a16:creationId xmlns:a16="http://schemas.microsoft.com/office/drawing/2014/main" id="{1AAF9047-D89B-4ADB-AA20-32145F7AFF7C}"/>
+              </a:ext>
+            </a:extLst>
+          </p:cNvPr>
+          <p:cNvCxnSpPr>
+            <a:stCxn id="12" idx="3"/>
+          </p:cNvCxnSpPr>
+          <p:nvPr/>
+        </p:nvCxnSpPr>
+        <p:spPr>
+          <a:xfrm>
+            <a:off x="3091077" y="1997608"/>
+            <a:ext cx="1124767" cy="0"/>
+          </a:xfrm>
+          <a:prstGeom prst="straightConnector1">
+            <a:avLst/>
+          </a:prstGeom>
+          <a:ln>
+            <a:tailEnd type="triangle"/>
+          </a:ln>
+        </p:spPr>
+        <p:style>
+          <a:lnRef idx="1">
+            <a:schemeClr val="accent1"/>
+          </a:lnRef>
+          <a:fillRef idx="0">
+            <a:schemeClr val="accent1"/>
+          </a:fillRef>
+          <a:effectRef idx="0">
+            <a:schemeClr val="accent1"/>
+          </a:effectRef>
+          <a:fontRef idx="minor">
+            <a:schemeClr val="tx1"/>
+          </a:fontRef>
+        </p:style>
+      </p:cxnSp>
+      <p:pic>
+        <p:nvPicPr>
+          <p:cNvPr id="21" name="Imagem 20">
+            <a:extLst>
+              <a:ext uri="{FF2B5EF4-FFF2-40B4-BE49-F238E27FC236}">
+                <a16:creationId xmlns:a16="http://schemas.microsoft.com/office/drawing/2014/main" id="{7EEAAB14-7147-4D38-8802-B3D450273613}"/>
+              </a:ext>
+            </a:extLst>
+          </p:cNvPr>
+          <p:cNvPicPr>
+            <a:picLocks noChangeAspect="1"/>
+          </p:cNvPicPr>
+          <p:nvPr/>
+        </p:nvPicPr>
+        <p:blipFill>
+          <a:blip r:embed="rId4"/>
+          <a:stretch>
+            <a:fillRect/>
+          </a:stretch>
+        </p:blipFill>
+        <p:spPr>
+          <a:xfrm>
+            <a:off x="7508110" y="3919085"/>
+            <a:ext cx="3761905" cy="1552381"/>
+          </a:xfrm>
+          <a:prstGeom prst="rect">
+            <a:avLst/>
+          </a:prstGeom>
+        </p:spPr>
+      </p:pic>
+      <p:cxnSp>
+        <p:nvCxnSpPr>
+          <p:cNvPr id="18" name="Conector de Seta Reta 17">
+            <a:extLst>
+              <a:ext uri="{FF2B5EF4-FFF2-40B4-BE49-F238E27FC236}">
+                <a16:creationId xmlns:a16="http://schemas.microsoft.com/office/drawing/2014/main" id="{27AC1F58-9F70-40DB-B94A-73BD4559C64D}"/>
+              </a:ext>
+            </a:extLst>
+          </p:cNvPr>
+          <p:cNvCxnSpPr>
+            <a:cxnSpLocks/>
+          </p:cNvCxnSpPr>
+          <p:nvPr/>
+        </p:nvCxnSpPr>
+        <p:spPr>
+          <a:xfrm>
+            <a:off x="8741662" y="2319221"/>
+            <a:ext cx="647400" cy="1902691"/>
+          </a:xfrm>
+          <a:prstGeom prst="straightConnector1">
+            <a:avLst/>
+          </a:prstGeom>
+          <a:ln>
+            <a:tailEnd type="triangle"/>
+          </a:ln>
+        </p:spPr>
+        <p:style>
+          <a:lnRef idx="1">
+            <a:schemeClr val="accent1"/>
+          </a:lnRef>
+          <a:fillRef idx="0">
+            <a:schemeClr val="accent1"/>
+          </a:fillRef>
+          <a:effectRef idx="0">
+            <a:schemeClr val="accent1"/>
+          </a:effectRef>
+          <a:fontRef idx="minor">
+            <a:schemeClr val="tx1"/>
+          </a:fontRef>
+        </p:style>
+      </p:cxnSp>
+      <p:sp>
+        <p:nvSpPr>
+          <p:cNvPr id="23" name="CaixaDeTexto 22">
+            <a:extLst>
+              <a:ext uri="{FF2B5EF4-FFF2-40B4-BE49-F238E27FC236}">
+                <a16:creationId xmlns:a16="http://schemas.microsoft.com/office/drawing/2014/main" id="{A4727A93-6331-4A75-9752-699F66CD6FEB}"/>
+              </a:ext>
+            </a:extLst>
+          </p:cNvPr>
+          <p:cNvSpPr txBox="1"/>
+          <p:nvPr/>
+        </p:nvSpPr>
+        <p:spPr>
+          <a:xfrm>
+            <a:off x="213470" y="229910"/>
+            <a:ext cx="6724073" cy="584775"/>
+          </a:xfrm>
+          <a:prstGeom prst="rect">
+            <a:avLst/>
+          </a:prstGeom>
+          <a:noFill/>
+        </p:spPr>
+        <p:txBody>
+          <a:bodyPr wrap="square" rtlCol="0">
+            <a:spAutoFit/>
+          </a:bodyPr>
+          <a:lstStyle/>
+          <a:p>
+            <a:r>
+              <a:rPr lang="pt-BR" sz="3200" dirty="0">
+                <a:solidFill>
+                  <a:schemeClr val="bg1"/>
+                </a:solidFill>
+              </a:rPr>
+              <a:t>Como executar o </a:t>
+            </a:r>
+            <a:r>
+              <a:rPr lang="pt-BR" sz="3200" dirty="0" err="1">
+                <a:solidFill>
+                  <a:schemeClr val="bg1"/>
+                </a:solidFill>
+              </a:rPr>
+              <a:t>php</a:t>
+            </a:r>
+            <a:r>
+              <a:rPr lang="pt-BR" sz="3200" dirty="0">
+                <a:solidFill>
+                  <a:schemeClr val="bg1"/>
+                </a:solidFill>
+              </a:rPr>
+              <a:t> na web</a:t>
+            </a:r>
+          </a:p>
+        </p:txBody>
+      </p:sp>
     </p:spTree>
     <p:extLst>
       <p:ext uri="{BB962C8B-B14F-4D97-AF65-F5344CB8AC3E}">
-        <p14:creationId xmlns:p14="http://schemas.microsoft.com/office/powerpoint/2010/main" val="1254078414"/>
+        <p14:creationId xmlns:p14="http://schemas.microsoft.com/office/powerpoint/2010/main" val="1730872104"/>
       </p:ext>
     </p:extLst>
   </p:cSld>
@@ -3492,353 +3583,7 @@
 </p:sld>
 </file>
 
-<file path=ppt/slides/slide2.xml><?xml version="1.0" encoding="utf-8"?>
-<p:sld xmlns:a="http://schemas.openxmlformats.org/drawingml/2006/main" xmlns:r="http://schemas.openxmlformats.org/officeDocument/2006/relationships" xmlns:p="http://schemas.openxmlformats.org/presentationml/2006/main">
-  <p:cSld>
-    <p:bg>
-      <p:bgPr>
-        <a:solidFill>
-          <a:schemeClr val="tx1"/>
-        </a:solidFill>
-        <a:effectLst/>
-      </p:bgPr>
-    </p:bg>
-    <p:spTree>
-      <p:nvGrpSpPr>
-        <p:cNvPr id="1" name=""/>
-        <p:cNvGrpSpPr/>
-        <p:nvPr/>
-      </p:nvGrpSpPr>
-      <p:grpSpPr>
-        <a:xfrm>
-          <a:off x="0" y="0"/>
-          <a:ext cx="0" cy="0"/>
-          <a:chOff x="0" y="0"/>
-          <a:chExt cx="0" cy="0"/>
-        </a:xfrm>
-      </p:grpSpPr>
-      <p:pic>
-        <p:nvPicPr>
-          <p:cNvPr id="3" name="Imagem 2">
-            <a:extLst>
-              <a:ext uri="{FF2B5EF4-FFF2-40B4-BE49-F238E27FC236}">
-                <a16:creationId xmlns:a16="http://schemas.microsoft.com/office/drawing/2014/main" id="{79A6ED22-DF82-754B-E2A8-207A06EC28DF}"/>
-              </a:ext>
-            </a:extLst>
-          </p:cNvPr>
-          <p:cNvPicPr>
-            <a:picLocks noChangeAspect="1"/>
-          </p:cNvPicPr>
-          <p:nvPr/>
-        </p:nvPicPr>
-        <p:blipFill>
-          <a:blip r:embed="rId2"/>
-          <a:stretch>
-            <a:fillRect/>
-          </a:stretch>
-        </p:blipFill>
-        <p:spPr>
-          <a:xfrm>
-            <a:off x="534727" y="2039667"/>
-            <a:ext cx="3414056" cy="792549"/>
-          </a:xfrm>
-          <a:prstGeom prst="rect">
-            <a:avLst/>
-          </a:prstGeom>
-        </p:spPr>
-      </p:pic>
-      <p:sp>
-        <p:nvSpPr>
-          <p:cNvPr id="4" name="CaixaDeTexto 3">
-            <a:extLst>
-              <a:ext uri="{FF2B5EF4-FFF2-40B4-BE49-F238E27FC236}">
-                <a16:creationId xmlns:a16="http://schemas.microsoft.com/office/drawing/2014/main" id="{E1BA930B-20CB-77EC-6939-178BB943EA50}"/>
-              </a:ext>
-            </a:extLst>
-          </p:cNvPr>
-          <p:cNvSpPr txBox="1"/>
-          <p:nvPr/>
-        </p:nvSpPr>
-        <p:spPr>
-          <a:xfrm>
-            <a:off x="481828" y="1670335"/>
-            <a:ext cx="2711704" cy="369332"/>
-          </a:xfrm>
-          <a:prstGeom prst="rect">
-            <a:avLst/>
-          </a:prstGeom>
-          <a:noFill/>
-        </p:spPr>
-        <p:txBody>
-          <a:bodyPr wrap="none" rtlCol="0">
-            <a:spAutoFit/>
-          </a:bodyPr>
-          <a:lstStyle/>
-          <a:p>
-            <a:r>
-              <a:rPr lang="pt-BR" dirty="0">
-                <a:solidFill>
-                  <a:schemeClr val="bg1"/>
-                </a:solidFill>
-              </a:rPr>
-              <a:t>Echo é para printar na tela </a:t>
-            </a:r>
-          </a:p>
-        </p:txBody>
-      </p:sp>
-      <p:sp>
-        <p:nvSpPr>
-          <p:cNvPr id="5" name="CaixaDeTexto 4">
-            <a:extLst>
-              <a:ext uri="{FF2B5EF4-FFF2-40B4-BE49-F238E27FC236}">
-                <a16:creationId xmlns:a16="http://schemas.microsoft.com/office/drawing/2014/main" id="{4EAF8F60-90BA-10E3-CAF5-4EE9980F24C4}"/>
-              </a:ext>
-            </a:extLst>
-          </p:cNvPr>
-          <p:cNvSpPr txBox="1"/>
-          <p:nvPr/>
-        </p:nvSpPr>
-        <p:spPr>
-          <a:xfrm>
-            <a:off x="78658" y="975915"/>
-            <a:ext cx="5359993" cy="369332"/>
-          </a:xfrm>
-          <a:prstGeom prst="rect">
-            <a:avLst/>
-          </a:prstGeom>
-          <a:noFill/>
-        </p:spPr>
-        <p:txBody>
-          <a:bodyPr wrap="none" rtlCol="0">
-            <a:spAutoFit/>
-          </a:bodyPr>
-          <a:lstStyle/>
-          <a:p>
-            <a:r>
-              <a:rPr lang="pt-BR" dirty="0">
-                <a:solidFill>
-                  <a:schemeClr val="bg1"/>
-                </a:solidFill>
-              </a:rPr>
-              <a:t>O código em PHP não é mostrado no documento HTML</a:t>
-            </a:r>
-          </a:p>
-        </p:txBody>
-      </p:sp>
-      <p:pic>
-        <p:nvPicPr>
-          <p:cNvPr id="1026" name="Picture 2" descr="Resultado de imagem para php">
-            <a:extLst>
-              <a:ext uri="{FF2B5EF4-FFF2-40B4-BE49-F238E27FC236}">
-                <a16:creationId xmlns:a16="http://schemas.microsoft.com/office/drawing/2014/main" id="{2B837771-4DA5-A647-A1E1-D1A4B9C33045}"/>
-              </a:ext>
-            </a:extLst>
-          </p:cNvPr>
-          <p:cNvPicPr>
-            <a:picLocks noChangeAspect="1" noChangeArrowheads="1"/>
-          </p:cNvPicPr>
-          <p:nvPr/>
-        </p:nvPicPr>
-        <p:blipFill>
-          <a:blip r:embed="rId3">
-            <a:extLst>
-              <a:ext uri="{28A0092B-C50C-407E-A947-70E740481C1C}">
-                <a14:useLocalDpi xmlns:a14="http://schemas.microsoft.com/office/drawing/2010/main" val="0"/>
-              </a:ext>
-            </a:extLst>
-          </a:blip>
-          <a:srcRect/>
-          <a:stretch>
-            <a:fillRect/>
-          </a:stretch>
-        </p:blipFill>
-        <p:spPr bwMode="auto">
-          <a:xfrm>
-            <a:off x="2202471" y="179926"/>
-            <a:ext cx="991061" cy="618697"/>
-          </a:xfrm>
-          <a:prstGeom prst="rect">
-            <a:avLst/>
-          </a:prstGeom>
-          <a:noFill/>
-          <a:extLst>
-            <a:ext uri="{909E8E84-426E-40DD-AFC4-6F175D3DCCD1}">
-              <a14:hiddenFill xmlns:a14="http://schemas.microsoft.com/office/drawing/2010/main">
-                <a:solidFill>
-                  <a:srgbClr val="FFFFFF"/>
-                </a:solidFill>
-              </a14:hiddenFill>
-            </a:ext>
-          </a:extLst>
-        </p:spPr>
-      </p:pic>
-      <p:sp>
-        <p:nvSpPr>
-          <p:cNvPr id="6" name="CaixaDeTexto 5">
-            <a:extLst>
-              <a:ext uri="{FF2B5EF4-FFF2-40B4-BE49-F238E27FC236}">
-                <a16:creationId xmlns:a16="http://schemas.microsoft.com/office/drawing/2014/main" id="{E27DC6D8-78D3-2D92-93C5-2CEACD16103B}"/>
-              </a:ext>
-            </a:extLst>
-          </p:cNvPr>
-          <p:cNvSpPr txBox="1"/>
-          <p:nvPr/>
-        </p:nvSpPr>
-        <p:spPr>
-          <a:xfrm>
-            <a:off x="668594" y="176286"/>
-            <a:ext cx="1456874" cy="584775"/>
-          </a:xfrm>
-          <a:prstGeom prst="rect">
-            <a:avLst/>
-          </a:prstGeom>
-          <a:noFill/>
-        </p:spPr>
-        <p:txBody>
-          <a:bodyPr wrap="none" rtlCol="0">
-            <a:spAutoFit/>
-          </a:bodyPr>
-          <a:lstStyle/>
-          <a:p>
-            <a:r>
-              <a:rPr lang="pt-BR" sz="3200" dirty="0">
-                <a:solidFill>
-                  <a:schemeClr val="bg1"/>
-                </a:solidFill>
-              </a:rPr>
-              <a:t>Sobre o</a:t>
-            </a:r>
-          </a:p>
-        </p:txBody>
-      </p:sp>
-    </p:spTree>
-    <p:extLst>
-      <p:ext uri="{BB962C8B-B14F-4D97-AF65-F5344CB8AC3E}">
-        <p14:creationId xmlns:p14="http://schemas.microsoft.com/office/powerpoint/2010/main" val="3909371104"/>
-      </p:ext>
-    </p:extLst>
-  </p:cSld>
-  <p:clrMapOvr>
-    <a:masterClrMapping/>
-  </p:clrMapOvr>
-</p:sld>
-</file>
-
-<file path=ppt/slides/slide3.xml><?xml version="1.0" encoding="utf-8"?>
-<p:sld xmlns:a="http://schemas.openxmlformats.org/drawingml/2006/main" xmlns:r="http://schemas.openxmlformats.org/officeDocument/2006/relationships" xmlns:p="http://schemas.openxmlformats.org/presentationml/2006/main">
-  <p:cSld>
-    <p:bg>
-      <p:bgPr>
-        <a:solidFill>
-          <a:schemeClr val="tx1"/>
-        </a:solidFill>
-        <a:effectLst/>
-      </p:bgPr>
-    </p:bg>
-    <p:spTree>
-      <p:nvGrpSpPr>
-        <p:cNvPr id="1" name=""/>
-        <p:cNvGrpSpPr/>
-        <p:nvPr/>
-      </p:nvGrpSpPr>
-      <p:grpSpPr>
-        <a:xfrm>
-          <a:off x="0" y="0"/>
-          <a:ext cx="0" cy="0"/>
-          <a:chOff x="0" y="0"/>
-          <a:chExt cx="0" cy="0"/>
-        </a:xfrm>
-      </p:grpSpPr>
-    </p:spTree>
-    <p:extLst>
-      <p:ext uri="{BB962C8B-B14F-4D97-AF65-F5344CB8AC3E}">
-        <p14:creationId xmlns:p14="http://schemas.microsoft.com/office/powerpoint/2010/main" val="2516814750"/>
-      </p:ext>
-    </p:extLst>
-  </p:cSld>
-  <p:clrMapOvr>
-    <a:masterClrMapping/>
-  </p:clrMapOvr>
-</p:sld>
-</file>
-
-<file path=ppt/slides/slide4.xml><?xml version="1.0" encoding="utf-8"?>
-<p:sld xmlns:a="http://schemas.openxmlformats.org/drawingml/2006/main" xmlns:r="http://schemas.openxmlformats.org/officeDocument/2006/relationships" xmlns:p="http://schemas.openxmlformats.org/presentationml/2006/main">
-  <p:cSld>
-    <p:bg>
-      <p:bgPr>
-        <a:solidFill>
-          <a:schemeClr val="tx1"/>
-        </a:solidFill>
-        <a:effectLst/>
-      </p:bgPr>
-    </p:bg>
-    <p:spTree>
-      <p:nvGrpSpPr>
-        <p:cNvPr id="1" name=""/>
-        <p:cNvGrpSpPr/>
-        <p:nvPr/>
-      </p:nvGrpSpPr>
-      <p:grpSpPr>
-        <a:xfrm>
-          <a:off x="0" y="0"/>
-          <a:ext cx="0" cy="0"/>
-          <a:chOff x="0" y="0"/>
-          <a:chExt cx="0" cy="0"/>
-        </a:xfrm>
-      </p:grpSpPr>
-    </p:spTree>
-    <p:extLst>
-      <p:ext uri="{BB962C8B-B14F-4D97-AF65-F5344CB8AC3E}">
-        <p14:creationId xmlns:p14="http://schemas.microsoft.com/office/powerpoint/2010/main" val="2883450363"/>
-      </p:ext>
-    </p:extLst>
-  </p:cSld>
-  <p:clrMapOvr>
-    <a:masterClrMapping/>
-  </p:clrMapOvr>
-</p:sld>
-</file>
-
-<file path=ppt/slides/slide5.xml><?xml version="1.0" encoding="utf-8"?>
-<p:sld xmlns:a="http://schemas.openxmlformats.org/drawingml/2006/main" xmlns:r="http://schemas.openxmlformats.org/officeDocument/2006/relationships" xmlns:p="http://schemas.openxmlformats.org/presentationml/2006/main">
-  <p:cSld>
-    <p:bg>
-      <p:bgPr>
-        <a:solidFill>
-          <a:schemeClr val="tx1"/>
-        </a:solidFill>
-        <a:effectLst/>
-      </p:bgPr>
-    </p:bg>
-    <p:spTree>
-      <p:nvGrpSpPr>
-        <p:cNvPr id="1" name=""/>
-        <p:cNvGrpSpPr/>
-        <p:nvPr/>
-      </p:nvGrpSpPr>
-      <p:grpSpPr>
-        <a:xfrm>
-          <a:off x="0" y="0"/>
-          <a:ext cx="0" cy="0"/>
-          <a:chOff x="0" y="0"/>
-          <a:chExt cx="0" cy="0"/>
-        </a:xfrm>
-      </p:grpSpPr>
-    </p:spTree>
-    <p:extLst>
-      <p:ext uri="{BB962C8B-B14F-4D97-AF65-F5344CB8AC3E}">
-        <p14:creationId xmlns:p14="http://schemas.microsoft.com/office/powerpoint/2010/main" val="1974486992"/>
-      </p:ext>
-    </p:extLst>
-  </p:cSld>
-  <p:clrMapOvr>
-    <a:masterClrMapping/>
-  </p:clrMapOvr>
-</p:sld>
-</file>
-
-<file path=ppt/slides/slide6.xml><?xml version="1.0" encoding="utf-8"?>
+<file path=ppt/slides/slide10.xml><?xml version="1.0" encoding="utf-8"?>
 <p:sld xmlns:a="http://schemas.openxmlformats.org/drawingml/2006/main" xmlns:r="http://schemas.openxmlformats.org/officeDocument/2006/relationships" xmlns:p="http://schemas.openxmlformats.org/presentationml/2006/main">
   <p:cSld>
     <p:bg>
@@ -3876,7 +3621,7 @@
 </p:sld>
 </file>
 
-<file path=ppt/slides/slide7.xml><?xml version="1.0" encoding="utf-8"?>
+<file path=ppt/slides/slide2.xml><?xml version="1.0" encoding="utf-8"?>
 <p:sld xmlns:a="http://schemas.openxmlformats.org/drawingml/2006/main" xmlns:r="http://schemas.openxmlformats.org/officeDocument/2006/relationships" xmlns:p="http://schemas.openxmlformats.org/presentationml/2006/main">
   <p:cSld>
     <p:bg>
@@ -3903,10 +3648,10 @@
       </p:grpSpPr>
       <p:pic>
         <p:nvPicPr>
-          <p:cNvPr id="12" name="Imagem 11">
-            <a:extLst>
-              <a:ext uri="{FF2B5EF4-FFF2-40B4-BE49-F238E27FC236}">
-                <a16:creationId xmlns:a16="http://schemas.microsoft.com/office/drawing/2014/main" id="{12388878-247E-464A-87EA-39CD45F9901A}"/>
+          <p:cNvPr id="6" name="Imagem 5">
+            <a:extLst>
+              <a:ext uri="{FF2B5EF4-FFF2-40B4-BE49-F238E27FC236}">
+                <a16:creationId xmlns:a16="http://schemas.microsoft.com/office/drawing/2014/main" id="{3ABBA186-C0E4-40F3-8481-7D3F2DC10599}"/>
               </a:ext>
             </a:extLst>
           </p:cNvPr>
@@ -3923,199 +3668,18 @@
         </p:blipFill>
         <p:spPr>
           <a:xfrm>
-            <a:off x="135517" y="647990"/>
-            <a:ext cx="2877607" cy="1755340"/>
+            <a:off x="510286" y="300428"/>
+            <a:ext cx="11171428" cy="6257143"/>
           </a:xfrm>
           <a:prstGeom prst="rect">
             <a:avLst/>
           </a:prstGeom>
         </p:spPr>
       </p:pic>
-      <p:pic>
-        <p:nvPicPr>
-          <p:cNvPr id="14" name="Imagem 13">
-            <a:extLst>
-              <a:ext uri="{FF2B5EF4-FFF2-40B4-BE49-F238E27FC236}">
-                <a16:creationId xmlns:a16="http://schemas.microsoft.com/office/drawing/2014/main" id="{EDAEECD9-8FD2-4C70-83CD-80BED38D32EE}"/>
-              </a:ext>
-            </a:extLst>
-          </p:cNvPr>
-          <p:cNvPicPr>
-            <a:picLocks noChangeAspect="1"/>
-          </p:cNvPicPr>
-          <p:nvPr/>
-        </p:nvPicPr>
-        <p:blipFill>
-          <a:blip r:embed="rId3"/>
-          <a:stretch>
-            <a:fillRect/>
-          </a:stretch>
-        </p:blipFill>
-        <p:spPr>
-          <a:xfrm>
-            <a:off x="4239178" y="786996"/>
-            <a:ext cx="5071932" cy="1477328"/>
-          </a:xfrm>
-          <a:prstGeom prst="rect">
-            <a:avLst/>
-          </a:prstGeom>
-        </p:spPr>
-      </p:pic>
-      <p:cxnSp>
-        <p:nvCxnSpPr>
-          <p:cNvPr id="16" name="Conector de Seta Reta 15">
-            <a:extLst>
-              <a:ext uri="{FF2B5EF4-FFF2-40B4-BE49-F238E27FC236}">
-                <a16:creationId xmlns:a16="http://schemas.microsoft.com/office/drawing/2014/main" id="{1AAF9047-D89B-4ADB-AA20-32145F7AFF7C}"/>
-              </a:ext>
-            </a:extLst>
-          </p:cNvPr>
-          <p:cNvCxnSpPr>
-            <a:stCxn id="12" idx="3"/>
-          </p:cNvCxnSpPr>
-          <p:nvPr/>
-        </p:nvCxnSpPr>
-        <p:spPr>
-          <a:xfrm>
-            <a:off x="3013124" y="1525660"/>
-            <a:ext cx="1124767" cy="0"/>
-          </a:xfrm>
-          <a:prstGeom prst="straightConnector1">
-            <a:avLst/>
-          </a:prstGeom>
-          <a:ln>
-            <a:tailEnd type="triangle"/>
-          </a:ln>
-        </p:spPr>
-        <p:style>
-          <a:lnRef idx="1">
-            <a:schemeClr val="accent1"/>
-          </a:lnRef>
-          <a:fillRef idx="0">
-            <a:schemeClr val="accent1"/>
-          </a:fillRef>
-          <a:effectRef idx="0">
-            <a:schemeClr val="accent1"/>
-          </a:effectRef>
-          <a:fontRef idx="minor">
-            <a:schemeClr val="tx1"/>
-          </a:fontRef>
-        </p:style>
-      </p:cxnSp>
-      <p:pic>
-        <p:nvPicPr>
-          <p:cNvPr id="21" name="Imagem 20">
-            <a:extLst>
-              <a:ext uri="{FF2B5EF4-FFF2-40B4-BE49-F238E27FC236}">
-                <a16:creationId xmlns:a16="http://schemas.microsoft.com/office/drawing/2014/main" id="{7EEAAB14-7147-4D38-8802-B3D450273613}"/>
-              </a:ext>
-            </a:extLst>
-          </p:cNvPr>
-          <p:cNvPicPr>
-            <a:picLocks noChangeAspect="1"/>
-          </p:cNvPicPr>
-          <p:nvPr/>
-        </p:nvPicPr>
-        <p:blipFill>
-          <a:blip r:embed="rId4"/>
-          <a:stretch>
-            <a:fillRect/>
-          </a:stretch>
-        </p:blipFill>
-        <p:spPr>
-          <a:xfrm>
-            <a:off x="7430157" y="3447137"/>
-            <a:ext cx="3761905" cy="1552381"/>
-          </a:xfrm>
-          <a:prstGeom prst="rect">
-            <a:avLst/>
-          </a:prstGeom>
-        </p:spPr>
-      </p:pic>
-      <p:cxnSp>
-        <p:nvCxnSpPr>
-          <p:cNvPr id="18" name="Conector de Seta Reta 17">
-            <a:extLst>
-              <a:ext uri="{FF2B5EF4-FFF2-40B4-BE49-F238E27FC236}">
-                <a16:creationId xmlns:a16="http://schemas.microsoft.com/office/drawing/2014/main" id="{27AC1F58-9F70-40DB-B94A-73BD4559C64D}"/>
-              </a:ext>
-            </a:extLst>
-          </p:cNvPr>
-          <p:cNvCxnSpPr>
-            <a:cxnSpLocks/>
-          </p:cNvCxnSpPr>
-          <p:nvPr/>
-        </p:nvCxnSpPr>
-        <p:spPr>
-          <a:xfrm>
-            <a:off x="8663709" y="1847273"/>
-            <a:ext cx="647400" cy="1902691"/>
-          </a:xfrm>
-          <a:prstGeom prst="straightConnector1">
-            <a:avLst/>
-          </a:prstGeom>
-          <a:ln>
-            <a:tailEnd type="triangle"/>
-          </a:ln>
-        </p:spPr>
-        <p:style>
-          <a:lnRef idx="1">
-            <a:schemeClr val="accent1"/>
-          </a:lnRef>
-          <a:fillRef idx="0">
-            <a:schemeClr val="accent1"/>
-          </a:fillRef>
-          <a:effectRef idx="0">
-            <a:schemeClr val="accent1"/>
-          </a:effectRef>
-          <a:fontRef idx="minor">
-            <a:schemeClr val="tx1"/>
-          </a:fontRef>
-        </p:style>
-      </p:cxnSp>
-      <p:sp>
-        <p:nvSpPr>
-          <p:cNvPr id="23" name="CaixaDeTexto 22">
-            <a:extLst>
-              <a:ext uri="{FF2B5EF4-FFF2-40B4-BE49-F238E27FC236}">
-                <a16:creationId xmlns:a16="http://schemas.microsoft.com/office/drawing/2014/main" id="{A4727A93-6331-4A75-9752-699F66CD6FEB}"/>
-              </a:ext>
-            </a:extLst>
-          </p:cNvPr>
-          <p:cNvSpPr txBox="1"/>
-          <p:nvPr/>
-        </p:nvSpPr>
-        <p:spPr>
-          <a:xfrm>
-            <a:off x="213470" y="46182"/>
-            <a:ext cx="6724073" cy="461665"/>
-          </a:xfrm>
-          <a:prstGeom prst="rect">
-            <a:avLst/>
-          </a:prstGeom>
-          <a:noFill/>
-        </p:spPr>
-        <p:txBody>
-          <a:bodyPr wrap="square" rtlCol="0">
-            <a:spAutoFit/>
-          </a:bodyPr>
-          <a:lstStyle/>
-          <a:p>
-            <a:r>
-              <a:rPr lang="pt-BR" sz="2400" dirty="0">
-                <a:solidFill>
-                  <a:schemeClr val="bg1"/>
-                </a:solidFill>
-              </a:rPr>
-              <a:t>Como rodar no navegador </a:t>
-            </a:r>
-          </a:p>
-        </p:txBody>
-      </p:sp>
     </p:spTree>
     <p:extLst>
       <p:ext uri="{BB962C8B-B14F-4D97-AF65-F5344CB8AC3E}">
-        <p14:creationId xmlns:p14="http://schemas.microsoft.com/office/powerpoint/2010/main" val="1730872104"/>
+        <p14:creationId xmlns:p14="http://schemas.microsoft.com/office/powerpoint/2010/main" val="1254078414"/>
       </p:ext>
     </p:extLst>
   </p:cSld>
@@ -4125,7 +3689,345 @@
 </p:sld>
 </file>
 
-<file path=ppt/slides/slide8.xml><?xml version="1.0" encoding="utf-8"?>
+<file path=ppt/slides/slide3.xml><?xml version="1.0" encoding="utf-8"?>
+<p:sld xmlns:a="http://schemas.openxmlformats.org/drawingml/2006/main" xmlns:r="http://schemas.openxmlformats.org/officeDocument/2006/relationships" xmlns:p="http://schemas.openxmlformats.org/presentationml/2006/main">
+  <p:cSld>
+    <p:spTree>
+      <p:nvGrpSpPr>
+        <p:cNvPr id="1" name=""/>
+        <p:cNvGrpSpPr/>
+        <p:nvPr/>
+      </p:nvGrpSpPr>
+      <p:grpSpPr>
+        <a:xfrm>
+          <a:off x="0" y="0"/>
+          <a:ext cx="0" cy="0"/>
+          <a:chOff x="0" y="0"/>
+          <a:chExt cx="0" cy="0"/>
+        </a:xfrm>
+      </p:grpSpPr>
+      <p:pic>
+        <p:nvPicPr>
+          <p:cNvPr id="5" name="Imagem 4">
+            <a:extLst>
+              <a:ext uri="{FF2B5EF4-FFF2-40B4-BE49-F238E27FC236}">
+                <a16:creationId xmlns:a16="http://schemas.microsoft.com/office/drawing/2014/main" id="{37BE6026-4E3A-4A57-B30A-04961FB09588}"/>
+              </a:ext>
+            </a:extLst>
+          </p:cNvPr>
+          <p:cNvPicPr>
+            <a:picLocks noChangeAspect="1"/>
+          </p:cNvPicPr>
+          <p:nvPr/>
+        </p:nvPicPr>
+        <p:blipFill rotWithShape="1">
+          <a:blip r:embed="rId2"/>
+          <a:srcRect t="11250"/>
+          <a:stretch/>
+        </p:blipFill>
+        <p:spPr>
+          <a:xfrm>
+            <a:off x="970857" y="1004047"/>
+            <a:ext cx="10250286" cy="5136775"/>
+          </a:xfrm>
+          <a:prstGeom prst="rect">
+            <a:avLst/>
+          </a:prstGeom>
+        </p:spPr>
+      </p:pic>
+      <p:sp>
+        <p:nvSpPr>
+          <p:cNvPr id="2" name="CaixaDeTexto 1">
+            <a:extLst>
+              <a:ext uri="{FF2B5EF4-FFF2-40B4-BE49-F238E27FC236}">
+                <a16:creationId xmlns:a16="http://schemas.microsoft.com/office/drawing/2014/main" id="{A6FB060B-4DA3-43A5-BD18-420016E6D9FB}"/>
+              </a:ext>
+            </a:extLst>
+          </p:cNvPr>
+          <p:cNvSpPr txBox="1"/>
+          <p:nvPr/>
+        </p:nvSpPr>
+        <p:spPr>
+          <a:xfrm>
+            <a:off x="1685365" y="215153"/>
+            <a:ext cx="9152964" cy="646331"/>
+          </a:xfrm>
+          <a:prstGeom prst="rect">
+            <a:avLst/>
+          </a:prstGeom>
+          <a:noFill/>
+        </p:spPr>
+        <p:txBody>
+          <a:bodyPr wrap="square" rtlCol="0">
+            <a:spAutoFit/>
+          </a:bodyPr>
+          <a:lstStyle/>
+          <a:p>
+            <a:r>
+              <a:rPr lang="pt-BR" dirty="0"/>
+              <a:t>Resumindo para interpretar o PHP é necessário baixar um interpretador</a:t>
+            </a:r>
+            <a:r>
+              <a:rPr lang="pt-BR"/>
+              <a:t>, neste </a:t>
+            </a:r>
+            <a:r>
+              <a:rPr lang="pt-BR" dirty="0"/>
+              <a:t>caso </a:t>
+            </a:r>
+            <a:r>
+              <a:rPr lang="pt-BR"/>
+              <a:t>vou utilizar o XAMPP &gt;&gt; </a:t>
+            </a:r>
+          </a:p>
+        </p:txBody>
+      </p:sp>
+    </p:spTree>
+    <p:extLst>
+      <p:ext uri="{BB962C8B-B14F-4D97-AF65-F5344CB8AC3E}">
+        <p14:creationId xmlns:p14="http://schemas.microsoft.com/office/powerpoint/2010/main" val="283992454"/>
+      </p:ext>
+    </p:extLst>
+  </p:cSld>
+  <p:clrMapOvr>
+    <a:masterClrMapping/>
+  </p:clrMapOvr>
+</p:sld>
+</file>
+
+<file path=ppt/slides/slide4.xml><?xml version="1.0" encoding="utf-8"?>
+<p:sld xmlns:a="http://schemas.openxmlformats.org/drawingml/2006/main" xmlns:r="http://schemas.openxmlformats.org/officeDocument/2006/relationships" xmlns:p="http://schemas.openxmlformats.org/presentationml/2006/main">
+  <p:cSld>
+    <p:bg>
+      <p:bgPr>
+        <a:solidFill>
+          <a:schemeClr val="tx1"/>
+        </a:solidFill>
+        <a:effectLst/>
+      </p:bgPr>
+    </p:bg>
+    <p:spTree>
+      <p:nvGrpSpPr>
+        <p:cNvPr id="1" name=""/>
+        <p:cNvGrpSpPr/>
+        <p:nvPr/>
+      </p:nvGrpSpPr>
+      <p:grpSpPr>
+        <a:xfrm>
+          <a:off x="0" y="0"/>
+          <a:ext cx="0" cy="0"/>
+          <a:chOff x="0" y="0"/>
+          <a:chExt cx="0" cy="0"/>
+        </a:xfrm>
+      </p:grpSpPr>
+      <p:pic>
+        <p:nvPicPr>
+          <p:cNvPr id="3" name="Imagem 2">
+            <a:extLst>
+              <a:ext uri="{FF2B5EF4-FFF2-40B4-BE49-F238E27FC236}">
+                <a16:creationId xmlns:a16="http://schemas.microsoft.com/office/drawing/2014/main" id="{79A6ED22-DF82-754B-E2A8-207A06EC28DF}"/>
+              </a:ext>
+            </a:extLst>
+          </p:cNvPr>
+          <p:cNvPicPr>
+            <a:picLocks noChangeAspect="1"/>
+          </p:cNvPicPr>
+          <p:nvPr/>
+        </p:nvPicPr>
+        <p:blipFill>
+          <a:blip r:embed="rId2"/>
+          <a:stretch>
+            <a:fillRect/>
+          </a:stretch>
+        </p:blipFill>
+        <p:spPr>
+          <a:xfrm>
+            <a:off x="534727" y="2039667"/>
+            <a:ext cx="3414056" cy="792549"/>
+          </a:xfrm>
+          <a:prstGeom prst="rect">
+            <a:avLst/>
+          </a:prstGeom>
+        </p:spPr>
+      </p:pic>
+      <p:sp>
+        <p:nvSpPr>
+          <p:cNvPr id="4" name="CaixaDeTexto 3">
+            <a:extLst>
+              <a:ext uri="{FF2B5EF4-FFF2-40B4-BE49-F238E27FC236}">
+                <a16:creationId xmlns:a16="http://schemas.microsoft.com/office/drawing/2014/main" id="{E1BA930B-20CB-77EC-6939-178BB943EA50}"/>
+              </a:ext>
+            </a:extLst>
+          </p:cNvPr>
+          <p:cNvSpPr txBox="1"/>
+          <p:nvPr/>
+        </p:nvSpPr>
+        <p:spPr>
+          <a:xfrm>
+            <a:off x="481828" y="1670335"/>
+            <a:ext cx="2711704" cy="369332"/>
+          </a:xfrm>
+          <a:prstGeom prst="rect">
+            <a:avLst/>
+          </a:prstGeom>
+          <a:noFill/>
+        </p:spPr>
+        <p:txBody>
+          <a:bodyPr wrap="none" rtlCol="0">
+            <a:spAutoFit/>
+          </a:bodyPr>
+          <a:lstStyle/>
+          <a:p>
+            <a:r>
+              <a:rPr lang="pt-BR" dirty="0">
+                <a:solidFill>
+                  <a:schemeClr val="bg1"/>
+                </a:solidFill>
+              </a:rPr>
+              <a:t>Echo é para printar na tela </a:t>
+            </a:r>
+          </a:p>
+        </p:txBody>
+      </p:sp>
+      <p:sp>
+        <p:nvSpPr>
+          <p:cNvPr id="5" name="CaixaDeTexto 4">
+            <a:extLst>
+              <a:ext uri="{FF2B5EF4-FFF2-40B4-BE49-F238E27FC236}">
+                <a16:creationId xmlns:a16="http://schemas.microsoft.com/office/drawing/2014/main" id="{4EAF8F60-90BA-10E3-CAF5-4EE9980F24C4}"/>
+              </a:ext>
+            </a:extLst>
+          </p:cNvPr>
+          <p:cNvSpPr txBox="1"/>
+          <p:nvPr/>
+        </p:nvSpPr>
+        <p:spPr>
+          <a:xfrm>
+            <a:off x="78658" y="975915"/>
+            <a:ext cx="5359993" cy="369332"/>
+          </a:xfrm>
+          <a:prstGeom prst="rect">
+            <a:avLst/>
+          </a:prstGeom>
+          <a:noFill/>
+        </p:spPr>
+        <p:txBody>
+          <a:bodyPr wrap="none" rtlCol="0">
+            <a:spAutoFit/>
+          </a:bodyPr>
+          <a:lstStyle/>
+          <a:p>
+            <a:r>
+              <a:rPr lang="pt-BR" dirty="0">
+                <a:solidFill>
+                  <a:schemeClr val="bg1"/>
+                </a:solidFill>
+              </a:rPr>
+              <a:t>O código em PHP não é mostrado no documento HTML</a:t>
+            </a:r>
+          </a:p>
+        </p:txBody>
+      </p:sp>
+      <p:pic>
+        <p:nvPicPr>
+          <p:cNvPr id="1026" name="Picture 2" descr="Resultado de imagem para php">
+            <a:extLst>
+              <a:ext uri="{FF2B5EF4-FFF2-40B4-BE49-F238E27FC236}">
+                <a16:creationId xmlns:a16="http://schemas.microsoft.com/office/drawing/2014/main" id="{2B837771-4DA5-A647-A1E1-D1A4B9C33045}"/>
+              </a:ext>
+            </a:extLst>
+          </p:cNvPr>
+          <p:cNvPicPr>
+            <a:picLocks noChangeAspect="1" noChangeArrowheads="1"/>
+          </p:cNvPicPr>
+          <p:nvPr/>
+        </p:nvPicPr>
+        <p:blipFill>
+          <a:blip r:embed="rId3">
+            <a:extLst>
+              <a:ext uri="{28A0092B-C50C-407E-A947-70E740481C1C}">
+                <a14:useLocalDpi xmlns:a14="http://schemas.microsoft.com/office/drawing/2010/main" val="0"/>
+              </a:ext>
+            </a:extLst>
+          </a:blip>
+          <a:srcRect/>
+          <a:stretch>
+            <a:fillRect/>
+          </a:stretch>
+        </p:blipFill>
+        <p:spPr bwMode="auto">
+          <a:xfrm>
+            <a:off x="2202471" y="179926"/>
+            <a:ext cx="991061" cy="618697"/>
+          </a:xfrm>
+          <a:prstGeom prst="rect">
+            <a:avLst/>
+          </a:prstGeom>
+          <a:noFill/>
+          <a:extLst>
+            <a:ext uri="{909E8E84-426E-40DD-AFC4-6F175D3DCCD1}">
+              <a14:hiddenFill xmlns:a14="http://schemas.microsoft.com/office/drawing/2010/main">
+                <a:solidFill>
+                  <a:srgbClr val="FFFFFF"/>
+                </a:solidFill>
+              </a14:hiddenFill>
+            </a:ext>
+          </a:extLst>
+        </p:spPr>
+      </p:pic>
+      <p:sp>
+        <p:nvSpPr>
+          <p:cNvPr id="6" name="CaixaDeTexto 5">
+            <a:extLst>
+              <a:ext uri="{FF2B5EF4-FFF2-40B4-BE49-F238E27FC236}">
+                <a16:creationId xmlns:a16="http://schemas.microsoft.com/office/drawing/2014/main" id="{E27DC6D8-78D3-2D92-93C5-2CEACD16103B}"/>
+              </a:ext>
+            </a:extLst>
+          </p:cNvPr>
+          <p:cNvSpPr txBox="1"/>
+          <p:nvPr/>
+        </p:nvSpPr>
+        <p:spPr>
+          <a:xfrm>
+            <a:off x="668594" y="176286"/>
+            <a:ext cx="1456874" cy="584775"/>
+          </a:xfrm>
+          <a:prstGeom prst="rect">
+            <a:avLst/>
+          </a:prstGeom>
+          <a:noFill/>
+        </p:spPr>
+        <p:txBody>
+          <a:bodyPr wrap="none" rtlCol="0">
+            <a:spAutoFit/>
+          </a:bodyPr>
+          <a:lstStyle/>
+          <a:p>
+            <a:r>
+              <a:rPr lang="pt-BR" sz="3200" dirty="0">
+                <a:solidFill>
+                  <a:schemeClr val="bg1"/>
+                </a:solidFill>
+              </a:rPr>
+              <a:t>Sobre o</a:t>
+            </a:r>
+          </a:p>
+        </p:txBody>
+      </p:sp>
+    </p:spTree>
+    <p:extLst>
+      <p:ext uri="{BB962C8B-B14F-4D97-AF65-F5344CB8AC3E}">
+        <p14:creationId xmlns:p14="http://schemas.microsoft.com/office/powerpoint/2010/main" val="3909371104"/>
+      </p:ext>
+    </p:extLst>
+  </p:cSld>
+  <p:clrMapOvr>
+    <a:masterClrMapping/>
+  </p:clrMapOvr>
+</p:sld>
+</file>
+
+<file path=ppt/slides/slide5.xml><?xml version="1.0" encoding="utf-8"?>
 <p:sld xmlns:a="http://schemas.openxmlformats.org/drawingml/2006/main" xmlns:r="http://schemas.openxmlformats.org/officeDocument/2006/relationships" xmlns:p="http://schemas.openxmlformats.org/presentationml/2006/main">
   <p:cSld>
     <p:bg>
@@ -6059,6 +5961,208 @@
 </p:sld>
 </file>
 
+<file path=ppt/slides/slide6.xml><?xml version="1.0" encoding="utf-8"?>
+<p:sld xmlns:a="http://schemas.openxmlformats.org/drawingml/2006/main" xmlns:r="http://schemas.openxmlformats.org/officeDocument/2006/relationships" xmlns:p="http://schemas.openxmlformats.org/presentationml/2006/main">
+  <p:cSld>
+    <p:bg>
+      <p:bgPr>
+        <a:solidFill>
+          <a:schemeClr val="tx1"/>
+        </a:solidFill>
+        <a:effectLst/>
+      </p:bgPr>
+    </p:bg>
+    <p:spTree>
+      <p:nvGrpSpPr>
+        <p:cNvPr id="1" name=""/>
+        <p:cNvGrpSpPr/>
+        <p:nvPr/>
+      </p:nvGrpSpPr>
+      <p:grpSpPr>
+        <a:xfrm>
+          <a:off x="0" y="0"/>
+          <a:ext cx="0" cy="0"/>
+          <a:chOff x="0" y="0"/>
+          <a:chExt cx="0" cy="0"/>
+        </a:xfrm>
+      </p:grpSpPr>
+      <p:sp>
+        <p:nvSpPr>
+          <p:cNvPr id="5" name="CaixaDeTexto 4">
+            <a:extLst>
+              <a:ext uri="{FF2B5EF4-FFF2-40B4-BE49-F238E27FC236}">
+                <a16:creationId xmlns:a16="http://schemas.microsoft.com/office/drawing/2014/main" id="{F95848C0-36CD-448D-A9F4-6F7B1D8F5565}"/>
+              </a:ext>
+            </a:extLst>
+          </p:cNvPr>
+          <p:cNvSpPr txBox="1"/>
+          <p:nvPr/>
+        </p:nvSpPr>
+        <p:spPr>
+          <a:xfrm>
+            <a:off x="406400" y="254061"/>
+            <a:ext cx="6096000" cy="1200329"/>
+          </a:xfrm>
+          <a:prstGeom prst="rect">
+            <a:avLst/>
+          </a:prstGeom>
+          <a:noFill/>
+        </p:spPr>
+        <p:txBody>
+          <a:bodyPr wrap="square">
+            <a:spAutoFit/>
+          </a:bodyPr>
+          <a:lstStyle/>
+          <a:p>
+            <a:r>
+              <a:rPr lang="pt-BR" dirty="0">
+                <a:solidFill>
+                  <a:schemeClr val="bg1"/>
+                </a:solidFill>
+                <a:hlinkClick r:id="rId2"/>
+              </a:rPr>
+              <a:t>https://youtu.be/HI1TezrEPI4</a:t>
+            </a:r>
+            <a:endParaRPr lang="pt-BR" dirty="0">
+              <a:solidFill>
+                <a:schemeClr val="bg1"/>
+              </a:solidFill>
+            </a:endParaRPr>
+          </a:p>
+          <a:p>
+            <a:endParaRPr lang="pt-BR" dirty="0">
+              <a:solidFill>
+                <a:schemeClr val="bg1"/>
+              </a:solidFill>
+            </a:endParaRPr>
+          </a:p>
+          <a:p>
+            <a:r>
+              <a:rPr lang="pt-BR" b="0" i="0" dirty="0">
+                <a:solidFill>
+                  <a:schemeClr val="bg1"/>
+                </a:solidFill>
+                <a:effectLst/>
+                <a:latin typeface="Roboto" panose="02000000000000000000" pitchFamily="2" charset="0"/>
+              </a:rPr>
+              <a:t>- Curso PHP Completo: Aula 08 - Manipulação de </a:t>
+            </a:r>
+            <a:r>
+              <a:rPr lang="pt-BR" b="0" i="0" dirty="0" err="1">
+                <a:solidFill>
+                  <a:schemeClr val="bg1"/>
+                </a:solidFill>
+                <a:effectLst/>
+                <a:latin typeface="Roboto" panose="02000000000000000000" pitchFamily="2" charset="0"/>
+              </a:rPr>
+              <a:t>Strings</a:t>
+            </a:r>
+            <a:endParaRPr lang="pt-BR" b="0" i="0" dirty="0">
+              <a:solidFill>
+                <a:schemeClr val="bg1"/>
+              </a:solidFill>
+              <a:effectLst/>
+              <a:latin typeface="Roboto" panose="02000000000000000000" pitchFamily="2" charset="0"/>
+            </a:endParaRPr>
+          </a:p>
+          <a:p>
+            <a:endParaRPr lang="pt-BR" dirty="0">
+              <a:solidFill>
+                <a:schemeClr val="bg1"/>
+              </a:solidFill>
+            </a:endParaRPr>
+          </a:p>
+        </p:txBody>
+      </p:sp>
+    </p:spTree>
+    <p:extLst>
+      <p:ext uri="{BB962C8B-B14F-4D97-AF65-F5344CB8AC3E}">
+        <p14:creationId xmlns:p14="http://schemas.microsoft.com/office/powerpoint/2010/main" val="2558586351"/>
+      </p:ext>
+    </p:extLst>
+  </p:cSld>
+  <p:clrMapOvr>
+    <a:masterClrMapping/>
+  </p:clrMapOvr>
+</p:sld>
+</file>
+
+<file path=ppt/slides/slide7.xml><?xml version="1.0" encoding="utf-8"?>
+<p:sld xmlns:a="http://schemas.openxmlformats.org/drawingml/2006/main" xmlns:r="http://schemas.openxmlformats.org/officeDocument/2006/relationships" xmlns:p="http://schemas.openxmlformats.org/presentationml/2006/main">
+  <p:cSld>
+    <p:bg>
+      <p:bgPr>
+        <a:solidFill>
+          <a:schemeClr val="tx1"/>
+        </a:solidFill>
+        <a:effectLst/>
+      </p:bgPr>
+    </p:bg>
+    <p:spTree>
+      <p:nvGrpSpPr>
+        <p:cNvPr id="1" name=""/>
+        <p:cNvGrpSpPr/>
+        <p:nvPr/>
+      </p:nvGrpSpPr>
+      <p:grpSpPr>
+        <a:xfrm>
+          <a:off x="0" y="0"/>
+          <a:ext cx="0" cy="0"/>
+          <a:chOff x="0" y="0"/>
+          <a:chExt cx="0" cy="0"/>
+        </a:xfrm>
+      </p:grpSpPr>
+    </p:spTree>
+    <p:extLst>
+      <p:ext uri="{BB962C8B-B14F-4D97-AF65-F5344CB8AC3E}">
+        <p14:creationId xmlns:p14="http://schemas.microsoft.com/office/powerpoint/2010/main" val="2516814750"/>
+      </p:ext>
+    </p:extLst>
+  </p:cSld>
+  <p:clrMapOvr>
+    <a:masterClrMapping/>
+  </p:clrMapOvr>
+</p:sld>
+</file>
+
+<file path=ppt/slides/slide8.xml><?xml version="1.0" encoding="utf-8"?>
+<p:sld xmlns:a="http://schemas.openxmlformats.org/drawingml/2006/main" xmlns:r="http://schemas.openxmlformats.org/officeDocument/2006/relationships" xmlns:p="http://schemas.openxmlformats.org/presentationml/2006/main">
+  <p:cSld>
+    <p:bg>
+      <p:bgPr>
+        <a:solidFill>
+          <a:schemeClr val="tx1"/>
+        </a:solidFill>
+        <a:effectLst/>
+      </p:bgPr>
+    </p:bg>
+    <p:spTree>
+      <p:nvGrpSpPr>
+        <p:cNvPr id="1" name=""/>
+        <p:cNvGrpSpPr/>
+        <p:nvPr/>
+      </p:nvGrpSpPr>
+      <p:grpSpPr>
+        <a:xfrm>
+          <a:off x="0" y="0"/>
+          <a:ext cx="0" cy="0"/>
+          <a:chOff x="0" y="0"/>
+          <a:chExt cx="0" cy="0"/>
+        </a:xfrm>
+      </p:grpSpPr>
+    </p:spTree>
+    <p:extLst>
+      <p:ext uri="{BB962C8B-B14F-4D97-AF65-F5344CB8AC3E}">
+        <p14:creationId xmlns:p14="http://schemas.microsoft.com/office/powerpoint/2010/main" val="2883450363"/>
+      </p:ext>
+    </p:extLst>
+  </p:cSld>
+  <p:clrMapOvr>
+    <a:masterClrMapping/>
+  </p:clrMapOvr>
+</p:sld>
+</file>
+
 <file path=ppt/slides/slide9.xml><?xml version="1.0" encoding="utf-8"?>
 <p:sld xmlns:a="http://schemas.openxmlformats.org/drawingml/2006/main" xmlns:r="http://schemas.openxmlformats.org/officeDocument/2006/relationships" xmlns:p="http://schemas.openxmlformats.org/presentationml/2006/main">
   <p:cSld>
@@ -6084,98 +6188,10 @@
           <a:chExt cx="0" cy="0"/>
         </a:xfrm>
       </p:grpSpPr>
-      <p:sp>
-        <p:nvSpPr>
-          <p:cNvPr id="5" name="CaixaDeTexto 4">
-            <a:extLst>
-              <a:ext uri="{FF2B5EF4-FFF2-40B4-BE49-F238E27FC236}">
-                <a16:creationId xmlns:a16="http://schemas.microsoft.com/office/drawing/2014/main" id="{F95848C0-36CD-448D-A9F4-6F7B1D8F5565}"/>
-              </a:ext>
-            </a:extLst>
-          </p:cNvPr>
-          <p:cNvSpPr txBox="1"/>
-          <p:nvPr/>
-        </p:nvSpPr>
-        <p:spPr>
-          <a:xfrm>
-            <a:off x="406400" y="254061"/>
-            <a:ext cx="6096000" cy="1200329"/>
-          </a:xfrm>
-          <a:prstGeom prst="rect">
-            <a:avLst/>
-          </a:prstGeom>
-          <a:noFill/>
-        </p:spPr>
-        <p:txBody>
-          <a:bodyPr wrap="square">
-            <a:spAutoFit/>
-          </a:bodyPr>
-          <a:lstStyle/>
-          <a:p>
-            <a:r>
-              <a:rPr lang="pt-BR" dirty="0">
-                <a:solidFill>
-                  <a:schemeClr val="bg1"/>
-                </a:solidFill>
-                <a:hlinkClick r:id="rId2"/>
-              </a:rPr>
-              <a:t>https://youtu.be/HI1TezrEPI4</a:t>
-            </a:r>
-            <a:endParaRPr lang="pt-BR" dirty="0">
-              <a:solidFill>
-                <a:schemeClr val="bg1"/>
-              </a:solidFill>
-            </a:endParaRPr>
-          </a:p>
-          <a:p>
-            <a:endParaRPr lang="pt-BR" dirty="0">
-              <a:solidFill>
-                <a:schemeClr val="bg1"/>
-              </a:solidFill>
-            </a:endParaRPr>
-          </a:p>
-          <a:p>
-            <a:r>
-              <a:rPr lang="pt-BR" b="0" i="0" dirty="0">
-                <a:solidFill>
-                  <a:schemeClr val="bg1"/>
-                </a:solidFill>
-                <a:effectLst/>
-                <a:latin typeface="Roboto" panose="02000000000000000000" pitchFamily="2" charset="0"/>
-              </a:rPr>
-              <a:t>- Curso PHP Completo: Aula 08 - Manipulação de </a:t>
-            </a:r>
-            <a:r>
-              <a:rPr lang="pt-BR" b="0" i="0" dirty="0" err="1">
-                <a:solidFill>
-                  <a:schemeClr val="bg1"/>
-                </a:solidFill>
-                <a:effectLst/>
-                <a:latin typeface="Roboto" panose="02000000000000000000" pitchFamily="2" charset="0"/>
-              </a:rPr>
-              <a:t>Strings</a:t>
-            </a:r>
-            <a:endParaRPr lang="pt-BR" b="0" i="0" dirty="0">
-              <a:solidFill>
-                <a:schemeClr val="bg1"/>
-              </a:solidFill>
-              <a:effectLst/>
-              <a:latin typeface="Roboto" panose="02000000000000000000" pitchFamily="2" charset="0"/>
-            </a:endParaRPr>
-          </a:p>
-          <a:p>
-            <a:endParaRPr lang="pt-BR" dirty="0">
-              <a:solidFill>
-                <a:schemeClr val="bg1"/>
-              </a:solidFill>
-            </a:endParaRPr>
-          </a:p>
-        </p:txBody>
-      </p:sp>
     </p:spTree>
     <p:extLst>
       <p:ext uri="{BB962C8B-B14F-4D97-AF65-F5344CB8AC3E}">
-        <p14:creationId xmlns:p14="http://schemas.microsoft.com/office/powerpoint/2010/main" val="2558586351"/>
+        <p14:creationId xmlns:p14="http://schemas.microsoft.com/office/powerpoint/2010/main" val="1974486992"/>
       </p:ext>
     </p:extLst>
   </p:cSld>

--- a/Introdução.pptx
+++ b/Introdução.pptx
@@ -3413,13 +3413,13 @@
             </a:extLst>
           </p:cNvPr>
           <p:cNvCxnSpPr>
-            <a:stCxn id="12" idx="3"/>
+            <a:cxnSpLocks/>
           </p:cNvCxnSpPr>
           <p:nvPr/>
         </p:nvCxnSpPr>
         <p:spPr>
           <a:xfrm>
-            <a:off x="3091077" y="1997608"/>
+            <a:off x="3162868" y="1997608"/>
             <a:ext cx="1124767" cy="0"/>
           </a:xfrm>
           <a:prstGeom prst="straightConnector1">
@@ -6000,8 +6000,8 @@
         </p:nvSpPr>
         <p:spPr>
           <a:xfrm>
-            <a:off x="406400" y="254061"/>
-            <a:ext cx="6096000" cy="1200329"/>
+            <a:off x="5709061" y="0"/>
+            <a:ext cx="6259872" cy="1200329"/>
           </a:xfrm>
           <a:prstGeom prst="rect">
             <a:avLst/>
@@ -6074,6 +6074,279 @@
           </a:p>
         </p:txBody>
       </p:sp>
+      <p:sp>
+        <p:nvSpPr>
+          <p:cNvPr id="2" name="CaixaDeTexto 1">
+            <a:extLst>
+              <a:ext uri="{FF2B5EF4-FFF2-40B4-BE49-F238E27FC236}">
+                <a16:creationId xmlns:a16="http://schemas.microsoft.com/office/drawing/2014/main" id="{B87D4928-9458-FF93-104E-9304F7BC27AF}"/>
+              </a:ext>
+            </a:extLst>
+          </p:cNvPr>
+          <p:cNvSpPr txBox="1"/>
+          <p:nvPr/>
+        </p:nvSpPr>
+        <p:spPr>
+          <a:xfrm>
+            <a:off x="406399" y="933281"/>
+            <a:ext cx="6259872" cy="2585323"/>
+          </a:xfrm>
+          <a:prstGeom prst="rect">
+            <a:avLst/>
+          </a:prstGeom>
+          <a:noFill/>
+        </p:spPr>
+        <p:txBody>
+          <a:bodyPr wrap="square" rtlCol="0">
+            <a:spAutoFit/>
+          </a:bodyPr>
+          <a:lstStyle/>
+          <a:p>
+            <a:r>
+              <a:rPr lang="pt-BR" dirty="0">
+                <a:solidFill>
+                  <a:schemeClr val="bg1"/>
+                </a:solidFill>
+              </a:rPr>
+              <a:t>Classe é descrita por objetos,</a:t>
+            </a:r>
+          </a:p>
+          <a:p>
+            <a:endParaRPr lang="pt-BR" b="1" dirty="0">
+              <a:solidFill>
+                <a:schemeClr val="bg1"/>
+              </a:solidFill>
+            </a:endParaRPr>
+          </a:p>
+          <a:p>
+            <a:r>
+              <a:rPr lang="pt-BR" b="1" dirty="0">
+                <a:solidFill>
+                  <a:schemeClr val="bg1"/>
+                </a:solidFill>
+              </a:rPr>
+              <a:t>METODOS</a:t>
+            </a:r>
+          </a:p>
+          <a:p>
+            <a:r>
+              <a:rPr lang="pt-BR" dirty="0">
+                <a:solidFill>
+                  <a:schemeClr val="bg1"/>
+                </a:solidFill>
+              </a:rPr>
+              <a:t>*Métodos são construídos para retornar </a:t>
+            </a:r>
+            <a:r>
+              <a:rPr lang="pt-BR" b="1" dirty="0" err="1">
+                <a:solidFill>
+                  <a:srgbClr val="B009C7"/>
+                </a:solidFill>
+              </a:rPr>
+              <a:t>return</a:t>
+            </a:r>
+            <a:r>
+              <a:rPr lang="pt-BR" dirty="0">
+                <a:solidFill>
+                  <a:schemeClr val="bg1"/>
+                </a:solidFill>
+              </a:rPr>
+              <a:t> valores</a:t>
+            </a:r>
+          </a:p>
+          <a:p>
+            <a:r>
+              <a:rPr lang="pt-BR" dirty="0">
+                <a:solidFill>
+                  <a:schemeClr val="bg1"/>
+                </a:solidFill>
+              </a:rPr>
+              <a:t>*Construindo um método, método é uma função!</a:t>
+            </a:r>
+          </a:p>
+          <a:p>
+            <a:endParaRPr lang="pt-BR" b="1" dirty="0">
+              <a:solidFill>
+                <a:schemeClr val="bg1"/>
+              </a:solidFill>
+            </a:endParaRPr>
+          </a:p>
+          <a:p>
+            <a:r>
+              <a:rPr lang="pt-BR" b="1" dirty="0">
+                <a:solidFill>
+                  <a:schemeClr val="bg1"/>
+                </a:solidFill>
+              </a:rPr>
+              <a:t>CLASS</a:t>
+            </a:r>
+          </a:p>
+          <a:p>
+            <a:r>
+              <a:rPr lang="pt-BR" dirty="0">
+                <a:solidFill>
+                  <a:schemeClr val="bg1"/>
+                </a:solidFill>
+              </a:rPr>
+              <a:t>Ou seja uma função dentro de uma classe é chamada de método</a:t>
+            </a:r>
+          </a:p>
+          <a:p>
+            <a:endParaRPr lang="pt-BR" dirty="0">
+              <a:solidFill>
+                <a:schemeClr val="bg1"/>
+              </a:solidFill>
+            </a:endParaRPr>
+          </a:p>
+        </p:txBody>
+      </p:sp>
+      <p:pic>
+        <p:nvPicPr>
+          <p:cNvPr id="1026" name="Picture 2" descr="Imagem com dois retângulos lado a lado. O primeiro representa uma classe, apenas contorno do desenho de um carro; o segundo representa um objeto, com três carros desenhados.">
+            <a:extLst>
+              <a:ext uri="{FF2B5EF4-FFF2-40B4-BE49-F238E27FC236}">
+                <a16:creationId xmlns:a16="http://schemas.microsoft.com/office/drawing/2014/main" id="{80A10F26-3189-9892-1E61-2460EF884F01}"/>
+              </a:ext>
+            </a:extLst>
+          </p:cNvPr>
+          <p:cNvPicPr>
+            <a:picLocks noChangeAspect="1" noChangeArrowheads="1"/>
+          </p:cNvPicPr>
+          <p:nvPr/>
+        </p:nvPicPr>
+        <p:blipFill>
+          <a:blip r:embed="rId3">
+            <a:extLst>
+              <a:ext uri="{28A0092B-C50C-407E-A947-70E740481C1C}">
+                <a14:useLocalDpi xmlns:a14="http://schemas.microsoft.com/office/drawing/2010/main" val="0"/>
+              </a:ext>
+            </a:extLst>
+          </a:blip>
+          <a:srcRect/>
+          <a:stretch>
+            <a:fillRect/>
+          </a:stretch>
+        </p:blipFill>
+        <p:spPr bwMode="auto">
+          <a:xfrm>
+            <a:off x="189804" y="3687097"/>
+            <a:ext cx="3413197" cy="2389238"/>
+          </a:xfrm>
+          <a:prstGeom prst="rect">
+            <a:avLst/>
+          </a:prstGeom>
+          <a:noFill/>
+          <a:extLst>
+            <a:ext uri="{909E8E84-426E-40DD-AFC4-6F175D3DCCD1}">
+              <a14:hiddenFill xmlns:a14="http://schemas.microsoft.com/office/drawing/2010/main">
+                <a:solidFill>
+                  <a:srgbClr val="FFFFFF"/>
+                </a:solidFill>
+              </a14:hiddenFill>
+            </a:ext>
+          </a:extLst>
+        </p:spPr>
+      </p:pic>
+      <p:sp>
+        <p:nvSpPr>
+          <p:cNvPr id="3" name="CaixaDeTexto 2">
+            <a:hlinkClick r:id="rId4"/>
+            <a:extLst>
+              <a:ext uri="{FF2B5EF4-FFF2-40B4-BE49-F238E27FC236}">
+                <a16:creationId xmlns:a16="http://schemas.microsoft.com/office/drawing/2014/main" id="{20A9D32C-5980-4A87-5471-CAE9DEE74D0C}"/>
+              </a:ext>
+            </a:extLst>
+          </p:cNvPr>
+          <p:cNvSpPr txBox="1"/>
+          <p:nvPr/>
+        </p:nvSpPr>
+        <p:spPr>
+          <a:xfrm>
+            <a:off x="406399" y="324465"/>
+            <a:ext cx="2061498" cy="523220"/>
+          </a:xfrm>
+          <a:prstGeom prst="rect">
+            <a:avLst/>
+          </a:prstGeom>
+          <a:noFill/>
+        </p:spPr>
+        <p:txBody>
+          <a:bodyPr wrap="square" rtlCol="0">
+            <a:spAutoFit/>
+          </a:bodyPr>
+          <a:lstStyle/>
+          <a:p>
+            <a:r>
+              <a:rPr lang="pt-BR" sz="2800" b="1" u="sng" dirty="0">
+                <a:solidFill>
+                  <a:schemeClr val="bg1"/>
+                </a:solidFill>
+              </a:rPr>
+              <a:t>POO  </a:t>
+            </a:r>
+            <a:r>
+              <a:rPr lang="pt-BR" sz="1200" b="1" u="sng" dirty="0">
+                <a:solidFill>
+                  <a:schemeClr val="bg1"/>
+                </a:solidFill>
+              </a:rPr>
+              <a:t>&lt;&lt; link</a:t>
+            </a:r>
+            <a:endParaRPr lang="pt-BR" sz="2800" b="1" u="sng" dirty="0">
+              <a:solidFill>
+                <a:schemeClr val="bg1"/>
+              </a:solidFill>
+            </a:endParaRPr>
+          </a:p>
+        </p:txBody>
+      </p:sp>
+      <p:pic>
+        <p:nvPicPr>
+          <p:cNvPr id="1028" name="Picture 4" descr="Desenho de um carro, representando a classe &quot;carro&quot;, com os métodos e atributos da classe escritos dentro do desenho">
+            <a:extLst>
+              <a:ext uri="{FF2B5EF4-FFF2-40B4-BE49-F238E27FC236}">
+                <a16:creationId xmlns:a16="http://schemas.microsoft.com/office/drawing/2014/main" id="{8E1A4D8E-D3EF-AB9B-9E4C-5C9F07E504F2}"/>
+              </a:ext>
+            </a:extLst>
+          </p:cNvPr>
+          <p:cNvPicPr>
+            <a:picLocks noChangeAspect="1" noChangeArrowheads="1"/>
+          </p:cNvPicPr>
+          <p:nvPr/>
+        </p:nvPicPr>
+        <p:blipFill>
+          <a:blip r:embed="rId5">
+            <a:extLst>
+              <a:ext uri="{28A0092B-C50C-407E-A947-70E740481C1C}">
+                <a14:useLocalDpi xmlns:a14="http://schemas.microsoft.com/office/drawing/2010/main" val="0"/>
+              </a:ext>
+            </a:extLst>
+          </a:blip>
+          <a:srcRect/>
+          <a:stretch>
+            <a:fillRect/>
+          </a:stretch>
+        </p:blipFill>
+        <p:spPr bwMode="auto">
+          <a:xfrm>
+            <a:off x="3759816" y="3348818"/>
+            <a:ext cx="3898489" cy="3099299"/>
+          </a:xfrm>
+          <a:prstGeom prst="rect">
+            <a:avLst/>
+          </a:prstGeom>
+          <a:noFill/>
+          <a:extLst>
+            <a:ext uri="{909E8E84-426E-40DD-AFC4-6F175D3DCCD1}">
+              <a14:hiddenFill xmlns:a14="http://schemas.microsoft.com/office/drawing/2010/main">
+                <a:solidFill>
+                  <a:srgbClr val="FFFFFF"/>
+                </a:solidFill>
+              </a14:hiddenFill>
+            </a:ext>
+          </a:extLst>
+        </p:spPr>
+      </p:pic>
     </p:spTree>
     <p:extLst>
       <p:ext uri="{BB962C8B-B14F-4D97-AF65-F5344CB8AC3E}">
